--- a/Занятия/Занятие 1.pptx
+++ b/Занятия/Занятие 1.pptx
@@ -5,7 +5,7 @@
     <p:sldMasterId id="2147483660" r:id="rId1"/>
   </p:sldMasterIdLst>
   <p:notesMasterIdLst>
-    <p:notesMasterId r:id="rId38"/>
+    <p:notesMasterId r:id="rId21"/>
   </p:notesMasterIdLst>
   <p:sldIdLst>
     <p:sldId id="256" r:id="rId2"/>
@@ -26,24 +26,7 @@
     <p:sldId id="267" r:id="rId17"/>
     <p:sldId id="268" r:id="rId18"/>
     <p:sldId id="269" r:id="rId19"/>
-    <p:sldId id="270" r:id="rId20"/>
-    <p:sldId id="271" r:id="rId21"/>
-    <p:sldId id="272" r:id="rId22"/>
-    <p:sldId id="273" r:id="rId23"/>
-    <p:sldId id="274" r:id="rId24"/>
-    <p:sldId id="275" r:id="rId25"/>
-    <p:sldId id="276" r:id="rId26"/>
-    <p:sldId id="277" r:id="rId27"/>
-    <p:sldId id="278" r:id="rId28"/>
-    <p:sldId id="290" r:id="rId29"/>
-    <p:sldId id="279" r:id="rId30"/>
-    <p:sldId id="291" r:id="rId31"/>
-    <p:sldId id="280" r:id="rId32"/>
-    <p:sldId id="281" r:id="rId33"/>
-    <p:sldId id="282" r:id="rId34"/>
-    <p:sldId id="283" r:id="rId35"/>
-    <p:sldId id="284" r:id="rId36"/>
-    <p:sldId id="285" r:id="rId37"/>
+    <p:sldId id="285" r:id="rId20"/>
   </p:sldIdLst>
   <p:sldSz cx="12192000" cy="6858000"/>
   <p:notesSz cx="6858000" cy="9144000"/>
@@ -244,7 +227,7 @@
           <a:p>
             <a:fld id="{29DDC87B-8C4C-4AD5-8A6A-3CDAE89B9DDA}" type="datetimeFigureOut">
               <a:rPr lang="en-US" smtClean="0"/>
-              <a:t>9/3/2021</a:t>
+              <a:t>9/5/22</a:t>
             </a:fld>
             <a:endParaRPr lang="en-US"/>
           </a:p>
@@ -1358,91 +1341,7 @@
     </p:spTree>
     <p:extLst>
       <p:ext uri="{BB962C8B-B14F-4D97-AF65-F5344CB8AC3E}">
-        <p14:creationId xmlns:p14="http://schemas.microsoft.com/office/powerpoint/2010/main" val="1060076758"/>
-      </p:ext>
-    </p:extLst>
-  </p:cSld>
-  <p:clrMapOvr>
-    <a:masterClrMapping/>
-  </p:clrMapOvr>
-</p:notes>
-</file>
-
-<file path=ppt/notesSlides/notesSlide19.xml><?xml version="1.0" encoding="utf-8"?>
-<p:notes xmlns:a="http://schemas.openxmlformats.org/drawingml/2006/main" xmlns:r="http://schemas.openxmlformats.org/officeDocument/2006/relationships" xmlns:p="http://schemas.openxmlformats.org/presentationml/2006/main">
-  <p:cSld>
-    <p:spTree>
-      <p:nvGrpSpPr>
-        <p:cNvPr id="1" name=""/>
-        <p:cNvGrpSpPr/>
-        <p:nvPr/>
-      </p:nvGrpSpPr>
-      <p:grpSpPr>
-        <a:xfrm>
-          <a:off x="0" y="0"/>
-          <a:ext cx="0" cy="0"/>
-          <a:chOff x="0" y="0"/>
-          <a:chExt cx="0" cy="0"/>
-        </a:xfrm>
-      </p:grpSpPr>
-      <p:sp>
-        <p:nvSpPr>
-          <p:cNvPr id="2" name="Slide Image Placeholder 1"/>
-          <p:cNvSpPr>
-            <a:spLocks noGrp="1" noRot="1" noChangeAspect="1"/>
-          </p:cNvSpPr>
-          <p:nvPr>
-            <p:ph type="sldImg"/>
-          </p:nvPr>
-        </p:nvSpPr>
-        <p:spPr/>
-      </p:sp>
-      <p:sp>
-        <p:nvSpPr>
-          <p:cNvPr id="3" name="Notes Placeholder 2"/>
-          <p:cNvSpPr>
-            <a:spLocks noGrp="1"/>
-          </p:cNvSpPr>
-          <p:nvPr>
-            <p:ph type="body" idx="1"/>
-          </p:nvPr>
-        </p:nvSpPr>
-        <p:spPr/>
-        <p:txBody>
-          <a:bodyPr/>
-          <a:lstStyle/>
-          <a:p>
-            <a:endParaRPr lang="en-US" dirty="0"/>
-          </a:p>
-        </p:txBody>
-      </p:sp>
-      <p:sp>
-        <p:nvSpPr>
-          <p:cNvPr id="4" name="Slide Number Placeholder 3"/>
-          <p:cNvSpPr>
-            <a:spLocks noGrp="1"/>
-          </p:cNvSpPr>
-          <p:nvPr>
-            <p:ph type="sldNum" sz="quarter" idx="5"/>
-          </p:nvPr>
-        </p:nvSpPr>
-        <p:spPr/>
-        <p:txBody>
-          <a:bodyPr/>
-          <a:lstStyle/>
-          <a:p>
-            <a:fld id="{48C984AE-A603-4044-BF5B-25A43A0CB870}" type="slidenum">
-              <a:rPr lang="en-US" smtClean="0"/>
-              <a:t>20</a:t>
-            </a:fld>
-            <a:endParaRPr lang="en-US"/>
-          </a:p>
-        </p:txBody>
-      </p:sp>
-    </p:spTree>
-    <p:extLst>
-      <p:ext uri="{BB962C8B-B14F-4D97-AF65-F5344CB8AC3E}">
-        <p14:creationId xmlns:p14="http://schemas.microsoft.com/office/powerpoint/2010/main" val="1455098369"/>
+        <p14:creationId xmlns:p14="http://schemas.microsoft.com/office/powerpoint/2010/main" val="420612374"/>
       </p:ext>
     </p:extLst>
   </p:cSld>
@@ -1536,864 +1435,6 @@
 </p:notes>
 </file>
 
-<file path=ppt/notesSlides/notesSlide20.xml><?xml version="1.0" encoding="utf-8"?>
-<p:notes xmlns:a="http://schemas.openxmlformats.org/drawingml/2006/main" xmlns:r="http://schemas.openxmlformats.org/officeDocument/2006/relationships" xmlns:p="http://schemas.openxmlformats.org/presentationml/2006/main">
-  <p:cSld>
-    <p:spTree>
-      <p:nvGrpSpPr>
-        <p:cNvPr id="1" name=""/>
-        <p:cNvGrpSpPr/>
-        <p:nvPr/>
-      </p:nvGrpSpPr>
-      <p:grpSpPr>
-        <a:xfrm>
-          <a:off x="0" y="0"/>
-          <a:ext cx="0" cy="0"/>
-          <a:chOff x="0" y="0"/>
-          <a:chExt cx="0" cy="0"/>
-        </a:xfrm>
-      </p:grpSpPr>
-      <p:sp>
-        <p:nvSpPr>
-          <p:cNvPr id="2" name="Slide Image Placeholder 1"/>
-          <p:cNvSpPr>
-            <a:spLocks noGrp="1" noRot="1" noChangeAspect="1"/>
-          </p:cNvSpPr>
-          <p:nvPr>
-            <p:ph type="sldImg"/>
-          </p:nvPr>
-        </p:nvSpPr>
-        <p:spPr/>
-      </p:sp>
-      <p:sp>
-        <p:nvSpPr>
-          <p:cNvPr id="3" name="Notes Placeholder 2"/>
-          <p:cNvSpPr>
-            <a:spLocks noGrp="1"/>
-          </p:cNvSpPr>
-          <p:nvPr>
-            <p:ph type="body" idx="1"/>
-          </p:nvPr>
-        </p:nvSpPr>
-        <p:spPr/>
-        <p:txBody>
-          <a:bodyPr/>
-          <a:lstStyle/>
-          <a:p>
-            <a:endParaRPr lang="en-US" dirty="0"/>
-          </a:p>
-        </p:txBody>
-      </p:sp>
-      <p:sp>
-        <p:nvSpPr>
-          <p:cNvPr id="4" name="Slide Number Placeholder 3"/>
-          <p:cNvSpPr>
-            <a:spLocks noGrp="1"/>
-          </p:cNvSpPr>
-          <p:nvPr>
-            <p:ph type="sldNum" sz="quarter" idx="5"/>
-          </p:nvPr>
-        </p:nvSpPr>
-        <p:spPr/>
-        <p:txBody>
-          <a:bodyPr/>
-          <a:lstStyle/>
-          <a:p>
-            <a:fld id="{48C984AE-A603-4044-BF5B-25A43A0CB870}" type="slidenum">
-              <a:rPr lang="en-US" smtClean="0"/>
-              <a:t>21</a:t>
-            </a:fld>
-            <a:endParaRPr lang="en-US"/>
-          </a:p>
-        </p:txBody>
-      </p:sp>
-    </p:spTree>
-    <p:extLst>
-      <p:ext uri="{BB962C8B-B14F-4D97-AF65-F5344CB8AC3E}">
-        <p14:creationId xmlns:p14="http://schemas.microsoft.com/office/powerpoint/2010/main" val="3368766477"/>
-      </p:ext>
-    </p:extLst>
-  </p:cSld>
-  <p:clrMapOvr>
-    <a:masterClrMapping/>
-  </p:clrMapOvr>
-</p:notes>
-</file>
-
-<file path=ppt/notesSlides/notesSlide21.xml><?xml version="1.0" encoding="utf-8"?>
-<p:notes xmlns:a="http://schemas.openxmlformats.org/drawingml/2006/main" xmlns:r="http://schemas.openxmlformats.org/officeDocument/2006/relationships" xmlns:p="http://schemas.openxmlformats.org/presentationml/2006/main">
-  <p:cSld>
-    <p:spTree>
-      <p:nvGrpSpPr>
-        <p:cNvPr id="1" name=""/>
-        <p:cNvGrpSpPr/>
-        <p:nvPr/>
-      </p:nvGrpSpPr>
-      <p:grpSpPr>
-        <a:xfrm>
-          <a:off x="0" y="0"/>
-          <a:ext cx="0" cy="0"/>
-          <a:chOff x="0" y="0"/>
-          <a:chExt cx="0" cy="0"/>
-        </a:xfrm>
-      </p:grpSpPr>
-      <p:sp>
-        <p:nvSpPr>
-          <p:cNvPr id="2" name="Slide Image Placeholder 1"/>
-          <p:cNvSpPr>
-            <a:spLocks noGrp="1" noRot="1" noChangeAspect="1"/>
-          </p:cNvSpPr>
-          <p:nvPr>
-            <p:ph type="sldImg"/>
-          </p:nvPr>
-        </p:nvSpPr>
-        <p:spPr/>
-      </p:sp>
-      <p:sp>
-        <p:nvSpPr>
-          <p:cNvPr id="3" name="Notes Placeholder 2"/>
-          <p:cNvSpPr>
-            <a:spLocks noGrp="1"/>
-          </p:cNvSpPr>
-          <p:nvPr>
-            <p:ph type="body" idx="1"/>
-          </p:nvPr>
-        </p:nvSpPr>
-        <p:spPr/>
-        <p:txBody>
-          <a:bodyPr/>
-          <a:lstStyle/>
-          <a:p>
-            <a:endParaRPr lang="en-US" dirty="0"/>
-          </a:p>
-        </p:txBody>
-      </p:sp>
-      <p:sp>
-        <p:nvSpPr>
-          <p:cNvPr id="4" name="Slide Number Placeholder 3"/>
-          <p:cNvSpPr>
-            <a:spLocks noGrp="1"/>
-          </p:cNvSpPr>
-          <p:nvPr>
-            <p:ph type="sldNum" sz="quarter" idx="5"/>
-          </p:nvPr>
-        </p:nvSpPr>
-        <p:spPr/>
-        <p:txBody>
-          <a:bodyPr/>
-          <a:lstStyle/>
-          <a:p>
-            <a:fld id="{48C984AE-A603-4044-BF5B-25A43A0CB870}" type="slidenum">
-              <a:rPr lang="en-US" smtClean="0"/>
-              <a:t>22</a:t>
-            </a:fld>
-            <a:endParaRPr lang="en-US"/>
-          </a:p>
-        </p:txBody>
-      </p:sp>
-    </p:spTree>
-    <p:extLst>
-      <p:ext uri="{BB962C8B-B14F-4D97-AF65-F5344CB8AC3E}">
-        <p14:creationId xmlns:p14="http://schemas.microsoft.com/office/powerpoint/2010/main" val="165305583"/>
-      </p:ext>
-    </p:extLst>
-  </p:cSld>
-  <p:clrMapOvr>
-    <a:masterClrMapping/>
-  </p:clrMapOvr>
-</p:notes>
-</file>
-
-<file path=ppt/notesSlides/notesSlide22.xml><?xml version="1.0" encoding="utf-8"?>
-<p:notes xmlns:a="http://schemas.openxmlformats.org/drawingml/2006/main" xmlns:r="http://schemas.openxmlformats.org/officeDocument/2006/relationships" xmlns:p="http://schemas.openxmlformats.org/presentationml/2006/main">
-  <p:cSld>
-    <p:spTree>
-      <p:nvGrpSpPr>
-        <p:cNvPr id="1" name=""/>
-        <p:cNvGrpSpPr/>
-        <p:nvPr/>
-      </p:nvGrpSpPr>
-      <p:grpSpPr>
-        <a:xfrm>
-          <a:off x="0" y="0"/>
-          <a:ext cx="0" cy="0"/>
-          <a:chOff x="0" y="0"/>
-          <a:chExt cx="0" cy="0"/>
-        </a:xfrm>
-      </p:grpSpPr>
-      <p:sp>
-        <p:nvSpPr>
-          <p:cNvPr id="2" name="Slide Image Placeholder 1"/>
-          <p:cNvSpPr>
-            <a:spLocks noGrp="1" noRot="1" noChangeAspect="1"/>
-          </p:cNvSpPr>
-          <p:nvPr>
-            <p:ph type="sldImg"/>
-          </p:nvPr>
-        </p:nvSpPr>
-        <p:spPr/>
-      </p:sp>
-      <p:sp>
-        <p:nvSpPr>
-          <p:cNvPr id="3" name="Notes Placeholder 2"/>
-          <p:cNvSpPr>
-            <a:spLocks noGrp="1"/>
-          </p:cNvSpPr>
-          <p:nvPr>
-            <p:ph type="body" idx="1"/>
-          </p:nvPr>
-        </p:nvSpPr>
-        <p:spPr/>
-        <p:txBody>
-          <a:bodyPr/>
-          <a:lstStyle/>
-          <a:p>
-            <a:endParaRPr lang="ru-RU" dirty="0"/>
-          </a:p>
-        </p:txBody>
-      </p:sp>
-      <p:sp>
-        <p:nvSpPr>
-          <p:cNvPr id="4" name="Slide Number Placeholder 3"/>
-          <p:cNvSpPr>
-            <a:spLocks noGrp="1"/>
-          </p:cNvSpPr>
-          <p:nvPr>
-            <p:ph type="sldNum" sz="quarter" idx="5"/>
-          </p:nvPr>
-        </p:nvSpPr>
-        <p:spPr/>
-        <p:txBody>
-          <a:bodyPr/>
-          <a:lstStyle/>
-          <a:p>
-            <a:fld id="{48C984AE-A603-4044-BF5B-25A43A0CB870}" type="slidenum">
-              <a:rPr lang="en-US" smtClean="0"/>
-              <a:t>23</a:t>
-            </a:fld>
-            <a:endParaRPr lang="en-US"/>
-          </a:p>
-        </p:txBody>
-      </p:sp>
-    </p:spTree>
-    <p:extLst>
-      <p:ext uri="{BB962C8B-B14F-4D97-AF65-F5344CB8AC3E}">
-        <p14:creationId xmlns:p14="http://schemas.microsoft.com/office/powerpoint/2010/main" val="4155632346"/>
-      </p:ext>
-    </p:extLst>
-  </p:cSld>
-  <p:clrMapOvr>
-    <a:masterClrMapping/>
-  </p:clrMapOvr>
-</p:notes>
-</file>
-
-<file path=ppt/notesSlides/notesSlide23.xml><?xml version="1.0" encoding="utf-8"?>
-<p:notes xmlns:a="http://schemas.openxmlformats.org/drawingml/2006/main" xmlns:r="http://schemas.openxmlformats.org/officeDocument/2006/relationships" xmlns:p="http://schemas.openxmlformats.org/presentationml/2006/main">
-  <p:cSld>
-    <p:spTree>
-      <p:nvGrpSpPr>
-        <p:cNvPr id="1" name=""/>
-        <p:cNvGrpSpPr/>
-        <p:nvPr/>
-      </p:nvGrpSpPr>
-      <p:grpSpPr>
-        <a:xfrm>
-          <a:off x="0" y="0"/>
-          <a:ext cx="0" cy="0"/>
-          <a:chOff x="0" y="0"/>
-          <a:chExt cx="0" cy="0"/>
-        </a:xfrm>
-      </p:grpSpPr>
-      <p:sp>
-        <p:nvSpPr>
-          <p:cNvPr id="2" name="Slide Image Placeholder 1"/>
-          <p:cNvSpPr>
-            <a:spLocks noGrp="1" noRot="1" noChangeAspect="1"/>
-          </p:cNvSpPr>
-          <p:nvPr>
-            <p:ph type="sldImg"/>
-          </p:nvPr>
-        </p:nvSpPr>
-        <p:spPr/>
-      </p:sp>
-      <p:sp>
-        <p:nvSpPr>
-          <p:cNvPr id="3" name="Notes Placeholder 2"/>
-          <p:cNvSpPr>
-            <a:spLocks noGrp="1"/>
-          </p:cNvSpPr>
-          <p:nvPr>
-            <p:ph type="body" idx="1"/>
-          </p:nvPr>
-        </p:nvSpPr>
-        <p:spPr/>
-        <p:txBody>
-          <a:bodyPr/>
-          <a:lstStyle/>
-          <a:p>
-            <a:r>
-              <a:rPr lang="ru-RU"/>
-              <a:t>С помощью комментариев вы можете описывать что выполняет определенный кусок кода. В комментариях возможно указывать, любую информацию. При выполнении кода интерпретатор просто пропустит этот участок.</a:t>
-            </a:r>
-          </a:p>
-          <a:p>
-            <a:r>
-              <a:rPr lang="ru-RU"/>
-              <a:t>Многстрочные комментарии чаще используются для документирования кода. Они уже несут смысловую нагрузку в том, что их можно автоматически собирать по всему документу и формировать один файл или базу знаний для описания тех или иных функций кода.</a:t>
-            </a:r>
-          </a:p>
-          <a:p>
-            <a:r>
-              <a:rPr lang="ru-RU"/>
-              <a:t>Первые несколько занятий вы будете размещать в блоках многострочных комментариев текст вашей задачи. Поскольку большинство ваших первых решений будут хранится лишь в одном файле — это будет просто и практично.</a:t>
-            </a:r>
-          </a:p>
-          <a:p>
-            <a:endParaRPr lang="en-US" dirty="0"/>
-          </a:p>
-        </p:txBody>
-      </p:sp>
-      <p:sp>
-        <p:nvSpPr>
-          <p:cNvPr id="4" name="Slide Number Placeholder 3"/>
-          <p:cNvSpPr>
-            <a:spLocks noGrp="1"/>
-          </p:cNvSpPr>
-          <p:nvPr>
-            <p:ph type="sldNum" sz="quarter" idx="5"/>
-          </p:nvPr>
-        </p:nvSpPr>
-        <p:spPr/>
-        <p:txBody>
-          <a:bodyPr/>
-          <a:lstStyle/>
-          <a:p>
-            <a:fld id="{48C984AE-A603-4044-BF5B-25A43A0CB870}" type="slidenum">
-              <a:rPr lang="en-US" smtClean="0"/>
-              <a:t>24</a:t>
-            </a:fld>
-            <a:endParaRPr lang="en-US"/>
-          </a:p>
-        </p:txBody>
-      </p:sp>
-    </p:spTree>
-    <p:extLst>
-      <p:ext uri="{BB962C8B-B14F-4D97-AF65-F5344CB8AC3E}">
-        <p14:creationId xmlns:p14="http://schemas.microsoft.com/office/powerpoint/2010/main" val="1499128497"/>
-      </p:ext>
-    </p:extLst>
-  </p:cSld>
-  <p:clrMapOvr>
-    <a:masterClrMapping/>
-  </p:clrMapOvr>
-</p:notes>
-</file>
-
-<file path=ppt/notesSlides/notesSlide24.xml><?xml version="1.0" encoding="utf-8"?>
-<p:notes xmlns:a="http://schemas.openxmlformats.org/drawingml/2006/main" xmlns:r="http://schemas.openxmlformats.org/officeDocument/2006/relationships" xmlns:p="http://schemas.openxmlformats.org/presentationml/2006/main">
-  <p:cSld>
-    <p:spTree>
-      <p:nvGrpSpPr>
-        <p:cNvPr id="1" name=""/>
-        <p:cNvGrpSpPr/>
-        <p:nvPr/>
-      </p:nvGrpSpPr>
-      <p:grpSpPr>
-        <a:xfrm>
-          <a:off x="0" y="0"/>
-          <a:ext cx="0" cy="0"/>
-          <a:chOff x="0" y="0"/>
-          <a:chExt cx="0" cy="0"/>
-        </a:xfrm>
-      </p:grpSpPr>
-      <p:sp>
-        <p:nvSpPr>
-          <p:cNvPr id="2" name="Slide Image Placeholder 1"/>
-          <p:cNvSpPr>
-            <a:spLocks noGrp="1" noRot="1" noChangeAspect="1"/>
-          </p:cNvSpPr>
-          <p:nvPr>
-            <p:ph type="sldImg"/>
-          </p:nvPr>
-        </p:nvSpPr>
-        <p:spPr/>
-      </p:sp>
-      <p:sp>
-        <p:nvSpPr>
-          <p:cNvPr id="3" name="Notes Placeholder 2"/>
-          <p:cNvSpPr>
-            <a:spLocks noGrp="1"/>
-          </p:cNvSpPr>
-          <p:nvPr>
-            <p:ph type="body" idx="1"/>
-          </p:nvPr>
-        </p:nvSpPr>
-        <p:spPr/>
-        <p:txBody>
-          <a:bodyPr/>
-          <a:lstStyle/>
-          <a:p>
-            <a:endParaRPr lang="en-US" dirty="0"/>
-          </a:p>
-        </p:txBody>
-      </p:sp>
-      <p:sp>
-        <p:nvSpPr>
-          <p:cNvPr id="4" name="Slide Number Placeholder 3"/>
-          <p:cNvSpPr>
-            <a:spLocks noGrp="1"/>
-          </p:cNvSpPr>
-          <p:nvPr>
-            <p:ph type="sldNum" sz="quarter" idx="5"/>
-          </p:nvPr>
-        </p:nvSpPr>
-        <p:spPr/>
-        <p:txBody>
-          <a:bodyPr/>
-          <a:lstStyle/>
-          <a:p>
-            <a:fld id="{48C984AE-A603-4044-BF5B-25A43A0CB870}" type="slidenum">
-              <a:rPr lang="en-US" smtClean="0"/>
-              <a:t>25</a:t>
-            </a:fld>
-            <a:endParaRPr lang="en-US"/>
-          </a:p>
-        </p:txBody>
-      </p:sp>
-    </p:spTree>
-    <p:extLst>
-      <p:ext uri="{BB962C8B-B14F-4D97-AF65-F5344CB8AC3E}">
-        <p14:creationId xmlns:p14="http://schemas.microsoft.com/office/powerpoint/2010/main" val="3311141047"/>
-      </p:ext>
-    </p:extLst>
-  </p:cSld>
-  <p:clrMapOvr>
-    <a:masterClrMapping/>
-  </p:clrMapOvr>
-</p:notes>
-</file>
-
-<file path=ppt/notesSlides/notesSlide25.xml><?xml version="1.0" encoding="utf-8"?>
-<p:notes xmlns:a="http://schemas.openxmlformats.org/drawingml/2006/main" xmlns:r="http://schemas.openxmlformats.org/officeDocument/2006/relationships" xmlns:p="http://schemas.openxmlformats.org/presentationml/2006/main">
-  <p:cSld>
-    <p:spTree>
-      <p:nvGrpSpPr>
-        <p:cNvPr id="1" name=""/>
-        <p:cNvGrpSpPr/>
-        <p:nvPr/>
-      </p:nvGrpSpPr>
-      <p:grpSpPr>
-        <a:xfrm>
-          <a:off x="0" y="0"/>
-          <a:ext cx="0" cy="0"/>
-          <a:chOff x="0" y="0"/>
-          <a:chExt cx="0" cy="0"/>
-        </a:xfrm>
-      </p:grpSpPr>
-      <p:sp>
-        <p:nvSpPr>
-          <p:cNvPr id="2" name="Slide Image Placeholder 1"/>
-          <p:cNvSpPr>
-            <a:spLocks noGrp="1" noRot="1" noChangeAspect="1"/>
-          </p:cNvSpPr>
-          <p:nvPr>
-            <p:ph type="sldImg"/>
-          </p:nvPr>
-        </p:nvSpPr>
-        <p:spPr/>
-      </p:sp>
-      <p:sp>
-        <p:nvSpPr>
-          <p:cNvPr id="3" name="Notes Placeholder 2"/>
-          <p:cNvSpPr>
-            <a:spLocks noGrp="1"/>
-          </p:cNvSpPr>
-          <p:nvPr>
-            <p:ph type="body" idx="1"/>
-          </p:nvPr>
-        </p:nvSpPr>
-        <p:spPr/>
-        <p:txBody>
-          <a:bodyPr/>
-          <a:lstStyle/>
-          <a:p>
-            <a:endParaRPr lang="en-US" dirty="0"/>
-          </a:p>
-        </p:txBody>
-      </p:sp>
-      <p:sp>
-        <p:nvSpPr>
-          <p:cNvPr id="4" name="Slide Number Placeholder 3"/>
-          <p:cNvSpPr>
-            <a:spLocks noGrp="1"/>
-          </p:cNvSpPr>
-          <p:nvPr>
-            <p:ph type="sldNum" sz="quarter" idx="5"/>
-          </p:nvPr>
-        </p:nvSpPr>
-        <p:spPr/>
-        <p:txBody>
-          <a:bodyPr/>
-          <a:lstStyle/>
-          <a:p>
-            <a:fld id="{48C984AE-A603-4044-BF5B-25A43A0CB870}" type="slidenum">
-              <a:rPr lang="en-US" smtClean="0"/>
-              <a:t>26</a:t>
-            </a:fld>
-            <a:endParaRPr lang="en-US"/>
-          </a:p>
-        </p:txBody>
-      </p:sp>
-    </p:spTree>
-    <p:extLst>
-      <p:ext uri="{BB962C8B-B14F-4D97-AF65-F5344CB8AC3E}">
-        <p14:creationId xmlns:p14="http://schemas.microsoft.com/office/powerpoint/2010/main" val="2685217621"/>
-      </p:ext>
-    </p:extLst>
-  </p:cSld>
-  <p:clrMapOvr>
-    <a:masterClrMapping/>
-  </p:clrMapOvr>
-</p:notes>
-</file>
-
-<file path=ppt/notesSlides/notesSlide26.xml><?xml version="1.0" encoding="utf-8"?>
-<p:notes xmlns:a="http://schemas.openxmlformats.org/drawingml/2006/main" xmlns:r="http://schemas.openxmlformats.org/officeDocument/2006/relationships" xmlns:p="http://schemas.openxmlformats.org/presentationml/2006/main">
-  <p:cSld>
-    <p:spTree>
-      <p:nvGrpSpPr>
-        <p:cNvPr id="1" name=""/>
-        <p:cNvGrpSpPr/>
-        <p:nvPr/>
-      </p:nvGrpSpPr>
-      <p:grpSpPr>
-        <a:xfrm>
-          <a:off x="0" y="0"/>
-          <a:ext cx="0" cy="0"/>
-          <a:chOff x="0" y="0"/>
-          <a:chExt cx="0" cy="0"/>
-        </a:xfrm>
-      </p:grpSpPr>
-      <p:sp>
-        <p:nvSpPr>
-          <p:cNvPr id="2" name="Slide Image Placeholder 1"/>
-          <p:cNvSpPr>
-            <a:spLocks noGrp="1" noRot="1" noChangeAspect="1"/>
-          </p:cNvSpPr>
-          <p:nvPr>
-            <p:ph type="sldImg"/>
-          </p:nvPr>
-        </p:nvSpPr>
-        <p:spPr/>
-      </p:sp>
-      <p:sp>
-        <p:nvSpPr>
-          <p:cNvPr id="3" name="Notes Placeholder 2"/>
-          <p:cNvSpPr>
-            <a:spLocks noGrp="1"/>
-          </p:cNvSpPr>
-          <p:nvPr>
-            <p:ph type="body" idx="1"/>
-          </p:nvPr>
-        </p:nvSpPr>
-        <p:spPr/>
-        <p:txBody>
-          <a:bodyPr/>
-          <a:lstStyle/>
-          <a:p>
-            <a:endParaRPr lang="en-US" dirty="0"/>
-          </a:p>
-        </p:txBody>
-      </p:sp>
-      <p:sp>
-        <p:nvSpPr>
-          <p:cNvPr id="4" name="Slide Number Placeholder 3"/>
-          <p:cNvSpPr>
-            <a:spLocks noGrp="1"/>
-          </p:cNvSpPr>
-          <p:nvPr>
-            <p:ph type="sldNum" sz="quarter" idx="5"/>
-          </p:nvPr>
-        </p:nvSpPr>
-        <p:spPr/>
-        <p:txBody>
-          <a:bodyPr/>
-          <a:lstStyle/>
-          <a:p>
-            <a:fld id="{48C984AE-A603-4044-BF5B-25A43A0CB870}" type="slidenum">
-              <a:rPr lang="en-US" smtClean="0"/>
-              <a:t>27</a:t>
-            </a:fld>
-            <a:endParaRPr lang="en-US"/>
-          </a:p>
-        </p:txBody>
-      </p:sp>
-    </p:spTree>
-    <p:extLst>
-      <p:ext uri="{BB962C8B-B14F-4D97-AF65-F5344CB8AC3E}">
-        <p14:creationId xmlns:p14="http://schemas.microsoft.com/office/powerpoint/2010/main" val="1704525685"/>
-      </p:ext>
-    </p:extLst>
-  </p:cSld>
-  <p:clrMapOvr>
-    <a:masterClrMapping/>
-  </p:clrMapOvr>
-</p:notes>
-</file>
-
-<file path=ppt/notesSlides/notesSlide27.xml><?xml version="1.0" encoding="utf-8"?>
-<p:notes xmlns:a="http://schemas.openxmlformats.org/drawingml/2006/main" xmlns:r="http://schemas.openxmlformats.org/officeDocument/2006/relationships" xmlns:p="http://schemas.openxmlformats.org/presentationml/2006/main">
-  <p:cSld>
-    <p:spTree>
-      <p:nvGrpSpPr>
-        <p:cNvPr id="1" name=""/>
-        <p:cNvGrpSpPr/>
-        <p:nvPr/>
-      </p:nvGrpSpPr>
-      <p:grpSpPr>
-        <a:xfrm>
-          <a:off x="0" y="0"/>
-          <a:ext cx="0" cy="0"/>
-          <a:chOff x="0" y="0"/>
-          <a:chExt cx="0" cy="0"/>
-        </a:xfrm>
-      </p:grpSpPr>
-      <p:sp>
-        <p:nvSpPr>
-          <p:cNvPr id="2" name="Slide Image Placeholder 1"/>
-          <p:cNvSpPr>
-            <a:spLocks noGrp="1" noRot="1" noChangeAspect="1"/>
-          </p:cNvSpPr>
-          <p:nvPr>
-            <p:ph type="sldImg"/>
-          </p:nvPr>
-        </p:nvSpPr>
-        <p:spPr/>
-      </p:sp>
-      <p:sp>
-        <p:nvSpPr>
-          <p:cNvPr id="3" name="Notes Placeholder 2"/>
-          <p:cNvSpPr>
-            <a:spLocks noGrp="1"/>
-          </p:cNvSpPr>
-          <p:nvPr>
-            <p:ph type="body" idx="1"/>
-          </p:nvPr>
-        </p:nvSpPr>
-        <p:spPr/>
-        <p:txBody>
-          <a:bodyPr/>
-          <a:lstStyle/>
-          <a:p>
-            <a:endParaRPr lang="ru-RU" dirty="0"/>
-          </a:p>
-        </p:txBody>
-      </p:sp>
-      <p:sp>
-        <p:nvSpPr>
-          <p:cNvPr id="4" name="Slide Number Placeholder 3"/>
-          <p:cNvSpPr>
-            <a:spLocks noGrp="1"/>
-          </p:cNvSpPr>
-          <p:nvPr>
-            <p:ph type="sldNum" sz="quarter" idx="5"/>
-          </p:nvPr>
-        </p:nvSpPr>
-        <p:spPr/>
-        <p:txBody>
-          <a:bodyPr/>
-          <a:lstStyle/>
-          <a:p>
-            <a:fld id="{48C984AE-A603-4044-BF5B-25A43A0CB870}" type="slidenum">
-              <a:rPr lang="en-US" smtClean="0"/>
-              <a:t>28</a:t>
-            </a:fld>
-            <a:endParaRPr lang="en-US"/>
-          </a:p>
-        </p:txBody>
-      </p:sp>
-    </p:spTree>
-    <p:extLst>
-      <p:ext uri="{BB962C8B-B14F-4D97-AF65-F5344CB8AC3E}">
-        <p14:creationId xmlns:p14="http://schemas.microsoft.com/office/powerpoint/2010/main" val="58766433"/>
-      </p:ext>
-    </p:extLst>
-  </p:cSld>
-  <p:clrMapOvr>
-    <a:masterClrMapping/>
-  </p:clrMapOvr>
-</p:notes>
-</file>
-
-<file path=ppt/notesSlides/notesSlide28.xml><?xml version="1.0" encoding="utf-8"?>
-<p:notes xmlns:a="http://schemas.openxmlformats.org/drawingml/2006/main" xmlns:r="http://schemas.openxmlformats.org/officeDocument/2006/relationships" xmlns:p="http://schemas.openxmlformats.org/presentationml/2006/main">
-  <p:cSld>
-    <p:spTree>
-      <p:nvGrpSpPr>
-        <p:cNvPr id="1" name=""/>
-        <p:cNvGrpSpPr/>
-        <p:nvPr/>
-      </p:nvGrpSpPr>
-      <p:grpSpPr>
-        <a:xfrm>
-          <a:off x="0" y="0"/>
-          <a:ext cx="0" cy="0"/>
-          <a:chOff x="0" y="0"/>
-          <a:chExt cx="0" cy="0"/>
-        </a:xfrm>
-      </p:grpSpPr>
-      <p:sp>
-        <p:nvSpPr>
-          <p:cNvPr id="2" name="Slide Image Placeholder 1"/>
-          <p:cNvSpPr>
-            <a:spLocks noGrp="1" noRot="1" noChangeAspect="1"/>
-          </p:cNvSpPr>
-          <p:nvPr>
-            <p:ph type="sldImg"/>
-          </p:nvPr>
-        </p:nvSpPr>
-        <p:spPr/>
-      </p:sp>
-      <p:sp>
-        <p:nvSpPr>
-          <p:cNvPr id="3" name="Notes Placeholder 2"/>
-          <p:cNvSpPr>
-            <a:spLocks noGrp="1"/>
-          </p:cNvSpPr>
-          <p:nvPr>
-            <p:ph type="body" idx="1"/>
-          </p:nvPr>
-        </p:nvSpPr>
-        <p:spPr/>
-        <p:txBody>
-          <a:bodyPr/>
-          <a:lstStyle/>
-          <a:p>
-            <a:endParaRPr lang="ru-RU" dirty="0"/>
-          </a:p>
-        </p:txBody>
-      </p:sp>
-      <p:sp>
-        <p:nvSpPr>
-          <p:cNvPr id="4" name="Slide Number Placeholder 3"/>
-          <p:cNvSpPr>
-            <a:spLocks noGrp="1"/>
-          </p:cNvSpPr>
-          <p:nvPr>
-            <p:ph type="sldNum" sz="quarter" idx="5"/>
-          </p:nvPr>
-        </p:nvSpPr>
-        <p:spPr/>
-        <p:txBody>
-          <a:bodyPr/>
-          <a:lstStyle/>
-          <a:p>
-            <a:fld id="{48C984AE-A603-4044-BF5B-25A43A0CB870}" type="slidenum">
-              <a:rPr lang="en-US" smtClean="0"/>
-              <a:t>29</a:t>
-            </a:fld>
-            <a:endParaRPr lang="en-US"/>
-          </a:p>
-        </p:txBody>
-      </p:sp>
-    </p:spTree>
-    <p:extLst>
-      <p:ext uri="{BB962C8B-B14F-4D97-AF65-F5344CB8AC3E}">
-        <p14:creationId xmlns:p14="http://schemas.microsoft.com/office/powerpoint/2010/main" val="3170124116"/>
-      </p:ext>
-    </p:extLst>
-  </p:cSld>
-  <p:clrMapOvr>
-    <a:masterClrMapping/>
-  </p:clrMapOvr>
-</p:notes>
-</file>
-
-<file path=ppt/notesSlides/notesSlide29.xml><?xml version="1.0" encoding="utf-8"?>
-<p:notes xmlns:a="http://schemas.openxmlformats.org/drawingml/2006/main" xmlns:r="http://schemas.openxmlformats.org/officeDocument/2006/relationships" xmlns:p="http://schemas.openxmlformats.org/presentationml/2006/main">
-  <p:cSld>
-    <p:spTree>
-      <p:nvGrpSpPr>
-        <p:cNvPr id="1" name=""/>
-        <p:cNvGrpSpPr/>
-        <p:nvPr/>
-      </p:nvGrpSpPr>
-      <p:grpSpPr>
-        <a:xfrm>
-          <a:off x="0" y="0"/>
-          <a:ext cx="0" cy="0"/>
-          <a:chOff x="0" y="0"/>
-          <a:chExt cx="0" cy="0"/>
-        </a:xfrm>
-      </p:grpSpPr>
-      <p:sp>
-        <p:nvSpPr>
-          <p:cNvPr id="2" name="Slide Image Placeholder 1"/>
-          <p:cNvSpPr>
-            <a:spLocks noGrp="1" noRot="1" noChangeAspect="1"/>
-          </p:cNvSpPr>
-          <p:nvPr>
-            <p:ph type="sldImg"/>
-          </p:nvPr>
-        </p:nvSpPr>
-        <p:spPr/>
-      </p:sp>
-      <p:sp>
-        <p:nvSpPr>
-          <p:cNvPr id="3" name="Notes Placeholder 2"/>
-          <p:cNvSpPr>
-            <a:spLocks noGrp="1"/>
-          </p:cNvSpPr>
-          <p:nvPr>
-            <p:ph type="body" idx="1"/>
-          </p:nvPr>
-        </p:nvSpPr>
-        <p:spPr/>
-        <p:txBody>
-          <a:bodyPr/>
-          <a:lstStyle/>
-          <a:p>
-            <a:endParaRPr lang="ru-RU" dirty="0"/>
-          </a:p>
-        </p:txBody>
-      </p:sp>
-      <p:sp>
-        <p:nvSpPr>
-          <p:cNvPr id="4" name="Slide Number Placeholder 3"/>
-          <p:cNvSpPr>
-            <a:spLocks noGrp="1"/>
-          </p:cNvSpPr>
-          <p:nvPr>
-            <p:ph type="sldNum" sz="quarter" idx="5"/>
-          </p:nvPr>
-        </p:nvSpPr>
-        <p:spPr/>
-        <p:txBody>
-          <a:bodyPr/>
-          <a:lstStyle/>
-          <a:p>
-            <a:fld id="{48C984AE-A603-4044-BF5B-25A43A0CB870}" type="slidenum">
-              <a:rPr lang="en-US" smtClean="0"/>
-              <a:t>30</a:t>
-            </a:fld>
-            <a:endParaRPr lang="en-US"/>
-          </a:p>
-        </p:txBody>
-      </p:sp>
-    </p:spTree>
-    <p:extLst>
-      <p:ext uri="{BB962C8B-B14F-4D97-AF65-F5344CB8AC3E}">
-        <p14:creationId xmlns:p14="http://schemas.microsoft.com/office/powerpoint/2010/main" val="1139765377"/>
-      </p:ext>
-    </p:extLst>
-  </p:cSld>
-  <p:clrMapOvr>
-    <a:masterClrMapping/>
-  </p:clrMapOvr>
-</p:notes>
-</file>
-
 <file path=ppt/notesSlides/notesSlide3.xml><?xml version="1.0" encoding="utf-8"?>
 <p:notes xmlns:a="http://schemas.openxmlformats.org/drawingml/2006/main" xmlns:r="http://schemas.openxmlformats.org/officeDocument/2006/relationships" xmlns:p="http://schemas.openxmlformats.org/presentationml/2006/main">
   <p:cSld>
@@ -2486,527 +1527,6 @@
     <p:extLst>
       <p:ext uri="{BB962C8B-B14F-4D97-AF65-F5344CB8AC3E}">
         <p14:creationId xmlns:p14="http://schemas.microsoft.com/office/powerpoint/2010/main" val="1447132124"/>
-      </p:ext>
-    </p:extLst>
-  </p:cSld>
-  <p:clrMapOvr>
-    <a:masterClrMapping/>
-  </p:clrMapOvr>
-</p:notes>
-</file>
-
-<file path=ppt/notesSlides/notesSlide30.xml><?xml version="1.0" encoding="utf-8"?>
-<p:notes xmlns:a="http://schemas.openxmlformats.org/drawingml/2006/main" xmlns:r="http://schemas.openxmlformats.org/officeDocument/2006/relationships" xmlns:p="http://schemas.openxmlformats.org/presentationml/2006/main">
-  <p:cSld>
-    <p:spTree>
-      <p:nvGrpSpPr>
-        <p:cNvPr id="1" name=""/>
-        <p:cNvGrpSpPr/>
-        <p:nvPr/>
-      </p:nvGrpSpPr>
-      <p:grpSpPr>
-        <a:xfrm>
-          <a:off x="0" y="0"/>
-          <a:ext cx="0" cy="0"/>
-          <a:chOff x="0" y="0"/>
-          <a:chExt cx="0" cy="0"/>
-        </a:xfrm>
-      </p:grpSpPr>
-      <p:sp>
-        <p:nvSpPr>
-          <p:cNvPr id="2" name="Slide Image Placeholder 1"/>
-          <p:cNvSpPr>
-            <a:spLocks noGrp="1" noRot="1" noChangeAspect="1"/>
-          </p:cNvSpPr>
-          <p:nvPr>
-            <p:ph type="sldImg"/>
-          </p:nvPr>
-        </p:nvSpPr>
-        <p:spPr/>
-      </p:sp>
-      <p:sp>
-        <p:nvSpPr>
-          <p:cNvPr id="3" name="Notes Placeholder 2"/>
-          <p:cNvSpPr>
-            <a:spLocks noGrp="1"/>
-          </p:cNvSpPr>
-          <p:nvPr>
-            <p:ph type="body" idx="1"/>
-          </p:nvPr>
-        </p:nvSpPr>
-        <p:spPr/>
-        <p:txBody>
-          <a:bodyPr/>
-          <a:lstStyle/>
-          <a:p>
-            <a:pPr marL="0" marR="0" lvl="0" indent="0" algn="l" defTabSz="914400" rtl="0" eaLnBrk="1" fontAlgn="auto" latinLnBrk="0" hangingPunct="1">
-              <a:lnSpc>
-                <a:spcPct val="100000"/>
-              </a:lnSpc>
-              <a:spcBef>
-                <a:spcPts val="0"/>
-              </a:spcBef>
-              <a:spcAft>
-                <a:spcPts val="0"/>
-              </a:spcAft>
-              <a:buClrTx/>
-              <a:buSzTx/>
-              <a:buFontTx/>
-              <a:buNone/>
-              <a:tabLst/>
-              <a:defRPr/>
-            </a:pPr>
-            <a:endParaRPr lang="en-US" dirty="0"/>
-          </a:p>
-        </p:txBody>
-      </p:sp>
-      <p:sp>
-        <p:nvSpPr>
-          <p:cNvPr id="4" name="Slide Number Placeholder 3"/>
-          <p:cNvSpPr>
-            <a:spLocks noGrp="1"/>
-          </p:cNvSpPr>
-          <p:nvPr>
-            <p:ph type="sldNum" sz="quarter" idx="5"/>
-          </p:nvPr>
-        </p:nvSpPr>
-        <p:spPr/>
-        <p:txBody>
-          <a:bodyPr/>
-          <a:lstStyle/>
-          <a:p>
-            <a:fld id="{48C984AE-A603-4044-BF5B-25A43A0CB870}" type="slidenum">
-              <a:rPr lang="en-US" smtClean="0"/>
-              <a:t>31</a:t>
-            </a:fld>
-            <a:endParaRPr lang="en-US"/>
-          </a:p>
-        </p:txBody>
-      </p:sp>
-    </p:spTree>
-    <p:extLst>
-      <p:ext uri="{BB962C8B-B14F-4D97-AF65-F5344CB8AC3E}">
-        <p14:creationId xmlns:p14="http://schemas.microsoft.com/office/powerpoint/2010/main" val="3847779843"/>
-      </p:ext>
-    </p:extLst>
-  </p:cSld>
-  <p:clrMapOvr>
-    <a:masterClrMapping/>
-  </p:clrMapOvr>
-</p:notes>
-</file>
-
-<file path=ppt/notesSlides/notesSlide31.xml><?xml version="1.0" encoding="utf-8"?>
-<p:notes xmlns:a="http://schemas.openxmlformats.org/drawingml/2006/main" xmlns:r="http://schemas.openxmlformats.org/officeDocument/2006/relationships" xmlns:p="http://schemas.openxmlformats.org/presentationml/2006/main">
-  <p:cSld>
-    <p:spTree>
-      <p:nvGrpSpPr>
-        <p:cNvPr id="1" name=""/>
-        <p:cNvGrpSpPr/>
-        <p:nvPr/>
-      </p:nvGrpSpPr>
-      <p:grpSpPr>
-        <a:xfrm>
-          <a:off x="0" y="0"/>
-          <a:ext cx="0" cy="0"/>
-          <a:chOff x="0" y="0"/>
-          <a:chExt cx="0" cy="0"/>
-        </a:xfrm>
-      </p:grpSpPr>
-      <p:sp>
-        <p:nvSpPr>
-          <p:cNvPr id="2" name="Slide Image Placeholder 1"/>
-          <p:cNvSpPr>
-            <a:spLocks noGrp="1" noRot="1" noChangeAspect="1"/>
-          </p:cNvSpPr>
-          <p:nvPr>
-            <p:ph type="sldImg"/>
-          </p:nvPr>
-        </p:nvSpPr>
-        <p:spPr/>
-      </p:sp>
-      <p:sp>
-        <p:nvSpPr>
-          <p:cNvPr id="3" name="Notes Placeholder 2"/>
-          <p:cNvSpPr>
-            <a:spLocks noGrp="1"/>
-          </p:cNvSpPr>
-          <p:nvPr>
-            <p:ph type="body" idx="1"/>
-          </p:nvPr>
-        </p:nvSpPr>
-        <p:spPr/>
-        <p:txBody>
-          <a:bodyPr/>
-          <a:lstStyle/>
-          <a:p>
-            <a:endParaRPr lang="en-US" dirty="0"/>
-          </a:p>
-        </p:txBody>
-      </p:sp>
-      <p:sp>
-        <p:nvSpPr>
-          <p:cNvPr id="4" name="Slide Number Placeholder 3"/>
-          <p:cNvSpPr>
-            <a:spLocks noGrp="1"/>
-          </p:cNvSpPr>
-          <p:nvPr>
-            <p:ph type="sldNum" sz="quarter" idx="5"/>
-          </p:nvPr>
-        </p:nvSpPr>
-        <p:spPr/>
-        <p:txBody>
-          <a:bodyPr/>
-          <a:lstStyle/>
-          <a:p>
-            <a:fld id="{48C984AE-A603-4044-BF5B-25A43A0CB870}" type="slidenum">
-              <a:rPr lang="en-US" smtClean="0"/>
-              <a:t>32</a:t>
-            </a:fld>
-            <a:endParaRPr lang="en-US"/>
-          </a:p>
-        </p:txBody>
-      </p:sp>
-    </p:spTree>
-    <p:extLst>
-      <p:ext uri="{BB962C8B-B14F-4D97-AF65-F5344CB8AC3E}">
-        <p14:creationId xmlns:p14="http://schemas.microsoft.com/office/powerpoint/2010/main" val="3440857585"/>
-      </p:ext>
-    </p:extLst>
-  </p:cSld>
-  <p:clrMapOvr>
-    <a:masterClrMapping/>
-  </p:clrMapOvr>
-</p:notes>
-</file>
-
-<file path=ppt/notesSlides/notesSlide32.xml><?xml version="1.0" encoding="utf-8"?>
-<p:notes xmlns:a="http://schemas.openxmlformats.org/drawingml/2006/main" xmlns:r="http://schemas.openxmlformats.org/officeDocument/2006/relationships" xmlns:p="http://schemas.openxmlformats.org/presentationml/2006/main">
-  <p:cSld>
-    <p:spTree>
-      <p:nvGrpSpPr>
-        <p:cNvPr id="1" name=""/>
-        <p:cNvGrpSpPr/>
-        <p:nvPr/>
-      </p:nvGrpSpPr>
-      <p:grpSpPr>
-        <a:xfrm>
-          <a:off x="0" y="0"/>
-          <a:ext cx="0" cy="0"/>
-          <a:chOff x="0" y="0"/>
-          <a:chExt cx="0" cy="0"/>
-        </a:xfrm>
-      </p:grpSpPr>
-      <p:sp>
-        <p:nvSpPr>
-          <p:cNvPr id="2" name="Slide Image Placeholder 1"/>
-          <p:cNvSpPr>
-            <a:spLocks noGrp="1" noRot="1" noChangeAspect="1"/>
-          </p:cNvSpPr>
-          <p:nvPr>
-            <p:ph type="sldImg"/>
-          </p:nvPr>
-        </p:nvSpPr>
-        <p:spPr/>
-      </p:sp>
-      <p:sp>
-        <p:nvSpPr>
-          <p:cNvPr id="3" name="Notes Placeholder 2"/>
-          <p:cNvSpPr>
-            <a:spLocks noGrp="1"/>
-          </p:cNvSpPr>
-          <p:nvPr>
-            <p:ph type="body" idx="1"/>
-          </p:nvPr>
-        </p:nvSpPr>
-        <p:spPr/>
-        <p:txBody>
-          <a:bodyPr/>
-          <a:lstStyle/>
-          <a:p>
-            <a:endParaRPr lang="en-US" dirty="0"/>
-          </a:p>
-        </p:txBody>
-      </p:sp>
-      <p:sp>
-        <p:nvSpPr>
-          <p:cNvPr id="4" name="Slide Number Placeholder 3"/>
-          <p:cNvSpPr>
-            <a:spLocks noGrp="1"/>
-          </p:cNvSpPr>
-          <p:nvPr>
-            <p:ph type="sldNum" sz="quarter" idx="5"/>
-          </p:nvPr>
-        </p:nvSpPr>
-        <p:spPr/>
-        <p:txBody>
-          <a:bodyPr/>
-          <a:lstStyle/>
-          <a:p>
-            <a:fld id="{48C984AE-A603-4044-BF5B-25A43A0CB870}" type="slidenum">
-              <a:rPr lang="en-US" smtClean="0"/>
-              <a:t>33</a:t>
-            </a:fld>
-            <a:endParaRPr lang="en-US"/>
-          </a:p>
-        </p:txBody>
-      </p:sp>
-    </p:spTree>
-    <p:extLst>
-      <p:ext uri="{BB962C8B-B14F-4D97-AF65-F5344CB8AC3E}">
-        <p14:creationId xmlns:p14="http://schemas.microsoft.com/office/powerpoint/2010/main" val="3219045917"/>
-      </p:ext>
-    </p:extLst>
-  </p:cSld>
-  <p:clrMapOvr>
-    <a:masterClrMapping/>
-  </p:clrMapOvr>
-</p:notes>
-</file>
-
-<file path=ppt/notesSlides/notesSlide33.xml><?xml version="1.0" encoding="utf-8"?>
-<p:notes xmlns:a="http://schemas.openxmlformats.org/drawingml/2006/main" xmlns:r="http://schemas.openxmlformats.org/officeDocument/2006/relationships" xmlns:p="http://schemas.openxmlformats.org/presentationml/2006/main">
-  <p:cSld>
-    <p:spTree>
-      <p:nvGrpSpPr>
-        <p:cNvPr id="1" name=""/>
-        <p:cNvGrpSpPr/>
-        <p:nvPr/>
-      </p:nvGrpSpPr>
-      <p:grpSpPr>
-        <a:xfrm>
-          <a:off x="0" y="0"/>
-          <a:ext cx="0" cy="0"/>
-          <a:chOff x="0" y="0"/>
-          <a:chExt cx="0" cy="0"/>
-        </a:xfrm>
-      </p:grpSpPr>
-      <p:sp>
-        <p:nvSpPr>
-          <p:cNvPr id="2" name="Slide Image Placeholder 1"/>
-          <p:cNvSpPr>
-            <a:spLocks noGrp="1" noRot="1" noChangeAspect="1"/>
-          </p:cNvSpPr>
-          <p:nvPr>
-            <p:ph type="sldImg"/>
-          </p:nvPr>
-        </p:nvSpPr>
-        <p:spPr/>
-      </p:sp>
-      <p:sp>
-        <p:nvSpPr>
-          <p:cNvPr id="3" name="Notes Placeholder 2"/>
-          <p:cNvSpPr>
-            <a:spLocks noGrp="1"/>
-          </p:cNvSpPr>
-          <p:nvPr>
-            <p:ph type="body" idx="1"/>
-          </p:nvPr>
-        </p:nvSpPr>
-        <p:spPr/>
-        <p:txBody>
-          <a:bodyPr/>
-          <a:lstStyle/>
-          <a:p>
-            <a:endParaRPr lang="en-US" dirty="0"/>
-          </a:p>
-        </p:txBody>
-      </p:sp>
-      <p:sp>
-        <p:nvSpPr>
-          <p:cNvPr id="4" name="Slide Number Placeholder 3"/>
-          <p:cNvSpPr>
-            <a:spLocks noGrp="1"/>
-          </p:cNvSpPr>
-          <p:nvPr>
-            <p:ph type="sldNum" sz="quarter" idx="5"/>
-          </p:nvPr>
-        </p:nvSpPr>
-        <p:spPr/>
-        <p:txBody>
-          <a:bodyPr/>
-          <a:lstStyle/>
-          <a:p>
-            <a:fld id="{48C984AE-A603-4044-BF5B-25A43A0CB870}" type="slidenum">
-              <a:rPr lang="en-US" smtClean="0"/>
-              <a:t>34</a:t>
-            </a:fld>
-            <a:endParaRPr lang="en-US"/>
-          </a:p>
-        </p:txBody>
-      </p:sp>
-    </p:spTree>
-    <p:extLst>
-      <p:ext uri="{BB962C8B-B14F-4D97-AF65-F5344CB8AC3E}">
-        <p14:creationId xmlns:p14="http://schemas.microsoft.com/office/powerpoint/2010/main" val="4085700139"/>
-      </p:ext>
-    </p:extLst>
-  </p:cSld>
-  <p:clrMapOvr>
-    <a:masterClrMapping/>
-  </p:clrMapOvr>
-</p:notes>
-</file>
-
-<file path=ppt/notesSlides/notesSlide34.xml><?xml version="1.0" encoding="utf-8"?>
-<p:notes xmlns:a="http://schemas.openxmlformats.org/drawingml/2006/main" xmlns:r="http://schemas.openxmlformats.org/officeDocument/2006/relationships" xmlns:p="http://schemas.openxmlformats.org/presentationml/2006/main">
-  <p:cSld>
-    <p:spTree>
-      <p:nvGrpSpPr>
-        <p:cNvPr id="1" name=""/>
-        <p:cNvGrpSpPr/>
-        <p:nvPr/>
-      </p:nvGrpSpPr>
-      <p:grpSpPr>
-        <a:xfrm>
-          <a:off x="0" y="0"/>
-          <a:ext cx="0" cy="0"/>
-          <a:chOff x="0" y="0"/>
-          <a:chExt cx="0" cy="0"/>
-        </a:xfrm>
-      </p:grpSpPr>
-      <p:sp>
-        <p:nvSpPr>
-          <p:cNvPr id="2" name="Slide Image Placeholder 1"/>
-          <p:cNvSpPr>
-            <a:spLocks noGrp="1" noRot="1" noChangeAspect="1"/>
-          </p:cNvSpPr>
-          <p:nvPr>
-            <p:ph type="sldImg"/>
-          </p:nvPr>
-        </p:nvSpPr>
-        <p:spPr/>
-      </p:sp>
-      <p:sp>
-        <p:nvSpPr>
-          <p:cNvPr id="3" name="Notes Placeholder 2"/>
-          <p:cNvSpPr>
-            <a:spLocks noGrp="1"/>
-          </p:cNvSpPr>
-          <p:nvPr>
-            <p:ph type="body" idx="1"/>
-          </p:nvPr>
-        </p:nvSpPr>
-        <p:spPr/>
-        <p:txBody>
-          <a:bodyPr/>
-          <a:lstStyle/>
-          <a:p>
-            <a:endParaRPr lang="en-US" dirty="0"/>
-          </a:p>
-        </p:txBody>
-      </p:sp>
-      <p:sp>
-        <p:nvSpPr>
-          <p:cNvPr id="4" name="Slide Number Placeholder 3"/>
-          <p:cNvSpPr>
-            <a:spLocks noGrp="1"/>
-          </p:cNvSpPr>
-          <p:nvPr>
-            <p:ph type="sldNum" sz="quarter" idx="5"/>
-          </p:nvPr>
-        </p:nvSpPr>
-        <p:spPr/>
-        <p:txBody>
-          <a:bodyPr/>
-          <a:lstStyle/>
-          <a:p>
-            <a:fld id="{48C984AE-A603-4044-BF5B-25A43A0CB870}" type="slidenum">
-              <a:rPr lang="en-US" smtClean="0"/>
-              <a:t>35</a:t>
-            </a:fld>
-            <a:endParaRPr lang="en-US"/>
-          </a:p>
-        </p:txBody>
-      </p:sp>
-    </p:spTree>
-    <p:extLst>
-      <p:ext uri="{BB962C8B-B14F-4D97-AF65-F5344CB8AC3E}">
-        <p14:creationId xmlns:p14="http://schemas.microsoft.com/office/powerpoint/2010/main" val="2653616896"/>
-      </p:ext>
-    </p:extLst>
-  </p:cSld>
-  <p:clrMapOvr>
-    <a:masterClrMapping/>
-  </p:clrMapOvr>
-</p:notes>
-</file>
-
-<file path=ppt/notesSlides/notesSlide35.xml><?xml version="1.0" encoding="utf-8"?>
-<p:notes xmlns:a="http://schemas.openxmlformats.org/drawingml/2006/main" xmlns:r="http://schemas.openxmlformats.org/officeDocument/2006/relationships" xmlns:p="http://schemas.openxmlformats.org/presentationml/2006/main">
-  <p:cSld>
-    <p:spTree>
-      <p:nvGrpSpPr>
-        <p:cNvPr id="1" name=""/>
-        <p:cNvGrpSpPr/>
-        <p:nvPr/>
-      </p:nvGrpSpPr>
-      <p:grpSpPr>
-        <a:xfrm>
-          <a:off x="0" y="0"/>
-          <a:ext cx="0" cy="0"/>
-          <a:chOff x="0" y="0"/>
-          <a:chExt cx="0" cy="0"/>
-        </a:xfrm>
-      </p:grpSpPr>
-      <p:sp>
-        <p:nvSpPr>
-          <p:cNvPr id="2" name="Slide Image Placeholder 1"/>
-          <p:cNvSpPr>
-            <a:spLocks noGrp="1" noRot="1" noChangeAspect="1"/>
-          </p:cNvSpPr>
-          <p:nvPr>
-            <p:ph type="sldImg"/>
-          </p:nvPr>
-        </p:nvSpPr>
-        <p:spPr/>
-      </p:sp>
-      <p:sp>
-        <p:nvSpPr>
-          <p:cNvPr id="3" name="Notes Placeholder 2"/>
-          <p:cNvSpPr>
-            <a:spLocks noGrp="1"/>
-          </p:cNvSpPr>
-          <p:nvPr>
-            <p:ph type="body" idx="1"/>
-          </p:nvPr>
-        </p:nvSpPr>
-        <p:spPr/>
-        <p:txBody>
-          <a:bodyPr/>
-          <a:lstStyle/>
-          <a:p>
-            <a:endParaRPr lang="en-US" dirty="0"/>
-          </a:p>
-        </p:txBody>
-      </p:sp>
-      <p:sp>
-        <p:nvSpPr>
-          <p:cNvPr id="4" name="Slide Number Placeholder 3"/>
-          <p:cNvSpPr>
-            <a:spLocks noGrp="1"/>
-          </p:cNvSpPr>
-          <p:nvPr>
-            <p:ph type="sldNum" sz="quarter" idx="5"/>
-          </p:nvPr>
-        </p:nvSpPr>
-        <p:spPr/>
-        <p:txBody>
-          <a:bodyPr/>
-          <a:lstStyle/>
-          <a:p>
-            <a:fld id="{48C984AE-A603-4044-BF5B-25A43A0CB870}" type="slidenum">
-              <a:rPr lang="en-US" smtClean="0"/>
-              <a:t>36</a:t>
-            </a:fld>
-            <a:endParaRPr lang="en-US"/>
-          </a:p>
-        </p:txBody>
-      </p:sp>
-    </p:spTree>
-    <p:extLst>
-      <p:ext uri="{BB962C8B-B14F-4D97-AF65-F5344CB8AC3E}">
-        <p14:creationId xmlns:p14="http://schemas.microsoft.com/office/powerpoint/2010/main" val="420612374"/>
       </p:ext>
     </p:extLst>
   </p:cSld>
@@ -3668,7 +2188,7 @@
           <a:p>
             <a:fld id="{23896B6A-7A97-445D-9CB6-96CDEF35B7C3}" type="datetimeFigureOut">
               <a:rPr lang="en-US" smtClean="0"/>
-              <a:t>9/3/2021</a:t>
+              <a:t>9/5/22</a:t>
             </a:fld>
             <a:endParaRPr lang="en-US" dirty="0"/>
           </a:p>
@@ -3838,7 +2358,7 @@
           <a:p>
             <a:fld id="{23896B6A-7A97-445D-9CB6-96CDEF35B7C3}" type="datetimeFigureOut">
               <a:rPr lang="en-US" smtClean="0"/>
-              <a:t>9/3/2021</a:t>
+              <a:t>9/5/22</a:t>
             </a:fld>
             <a:endParaRPr lang="en-US" dirty="0"/>
           </a:p>
@@ -4018,7 +2538,7 @@
           <a:p>
             <a:fld id="{23896B6A-7A97-445D-9CB6-96CDEF35B7C3}" type="datetimeFigureOut">
               <a:rPr lang="en-US" smtClean="0"/>
-              <a:t>9/3/2021</a:t>
+              <a:t>9/5/22</a:t>
             </a:fld>
             <a:endParaRPr lang="en-US" dirty="0"/>
           </a:p>
@@ -4188,7 +2708,7 @@
           <a:p>
             <a:fld id="{23896B6A-7A97-445D-9CB6-96CDEF35B7C3}" type="datetimeFigureOut">
               <a:rPr lang="en-US" smtClean="0"/>
-              <a:t>9/3/2021</a:t>
+              <a:t>9/5/22</a:t>
             </a:fld>
             <a:endParaRPr lang="en-US" dirty="0"/>
           </a:p>
@@ -4434,7 +2954,7 @@
           <a:p>
             <a:fld id="{23896B6A-7A97-445D-9CB6-96CDEF35B7C3}" type="datetimeFigureOut">
               <a:rPr lang="en-US" smtClean="0"/>
-              <a:t>9/3/2021</a:t>
+              <a:t>9/5/22</a:t>
             </a:fld>
             <a:endParaRPr lang="en-US" dirty="0"/>
           </a:p>
@@ -4666,7 +3186,7 @@
           <a:p>
             <a:fld id="{23896B6A-7A97-445D-9CB6-96CDEF35B7C3}" type="datetimeFigureOut">
               <a:rPr lang="en-US" smtClean="0"/>
-              <a:t>9/3/2021</a:t>
+              <a:t>9/5/22</a:t>
             </a:fld>
             <a:endParaRPr lang="en-US" dirty="0"/>
           </a:p>
@@ -5033,7 +3553,7 @@
           <a:p>
             <a:fld id="{23896B6A-7A97-445D-9CB6-96CDEF35B7C3}" type="datetimeFigureOut">
               <a:rPr lang="en-US" smtClean="0"/>
-              <a:t>9/3/2021</a:t>
+              <a:t>9/5/22</a:t>
             </a:fld>
             <a:endParaRPr lang="en-US" dirty="0"/>
           </a:p>
@@ -5151,7 +3671,7 @@
           <a:p>
             <a:fld id="{23896B6A-7A97-445D-9CB6-96CDEF35B7C3}" type="datetimeFigureOut">
               <a:rPr lang="en-US" smtClean="0"/>
-              <a:t>9/3/2021</a:t>
+              <a:t>9/5/22</a:t>
             </a:fld>
             <a:endParaRPr lang="en-US" dirty="0"/>
           </a:p>
@@ -5246,7 +3766,7 @@
           <a:p>
             <a:fld id="{23896B6A-7A97-445D-9CB6-96CDEF35B7C3}" type="datetimeFigureOut">
               <a:rPr lang="en-US" smtClean="0"/>
-              <a:t>9/3/2021</a:t>
+              <a:t>9/5/22</a:t>
             </a:fld>
             <a:endParaRPr lang="en-US" dirty="0"/>
           </a:p>
@@ -5523,7 +4043,7 @@
           <a:p>
             <a:fld id="{23896B6A-7A97-445D-9CB6-96CDEF35B7C3}" type="datetimeFigureOut">
               <a:rPr lang="en-US" smtClean="0"/>
-              <a:t>9/3/2021</a:t>
+              <a:t>9/5/22</a:t>
             </a:fld>
             <a:endParaRPr lang="en-US" dirty="0"/>
           </a:p>
@@ -5779,7 +4299,7 @@
           <a:p>
             <a:fld id="{23896B6A-7A97-445D-9CB6-96CDEF35B7C3}" type="datetimeFigureOut">
               <a:rPr lang="en-US" smtClean="0"/>
-              <a:t>9/3/2021</a:t>
+              <a:t>9/5/22</a:t>
             </a:fld>
             <a:endParaRPr lang="en-US" dirty="0"/>
           </a:p>
@@ -5992,7 +4512,7 @@
           <a:p>
             <a:fld id="{23896B6A-7A97-445D-9CB6-96CDEF35B7C3}" type="datetimeFigureOut">
               <a:rPr lang="en-US" smtClean="0"/>
-              <a:t>9/3/2021</a:t>
+              <a:t>9/5/22</a:t>
             </a:fld>
             <a:endParaRPr lang="en-US" dirty="0"/>
           </a:p>
@@ -7031,10 +5551,10 @@
       </p:sp>
       <p:pic>
         <p:nvPicPr>
-          <p:cNvPr id="5" name="Content Placeholder 4">
+          <p:cNvPr id="13" name="Content Placeholder 12">
             <a:extLst>
               <a:ext uri="{FF2B5EF4-FFF2-40B4-BE49-F238E27FC236}">
-                <a16:creationId xmlns:a16="http://schemas.microsoft.com/office/drawing/2014/main" id="{2F7B52D8-1068-45B0-B9AB-78B39782FB8D}"/>
+                <a16:creationId xmlns:a16="http://schemas.microsoft.com/office/drawing/2014/main" id="{CD451DEB-3E02-DDBE-2E13-A861691C2238}"/>
               </a:ext>
             </a:extLst>
           </p:cNvPr>
@@ -7045,16 +5565,20 @@
             <p:ph idx="1"/>
           </p:nvPr>
         </p:nvPicPr>
-        <p:blipFill rotWithShape="1">
+        <p:blipFill>
           <a:blip r:embed="rId3"/>
-          <a:srcRect t="16544" b="39156"/>
-          <a:stretch/>
+          <a:stretch>
+            <a:fillRect/>
+          </a:stretch>
         </p:blipFill>
         <p:spPr>
           <a:xfrm>
-            <a:off x="560906" y="1690688"/>
-            <a:ext cx="11070187" cy="4240554"/>
+            <a:off x="838200" y="1690687"/>
+            <a:ext cx="10271760" cy="4818851"/>
           </a:xfrm>
+          <a:prstGeom prst="rect">
+            <a:avLst/>
+          </a:prstGeom>
         </p:spPr>
       </p:pic>
     </p:spTree>
@@ -7381,7 +5905,7 @@
           <p:cNvPr id="2" name="Title 1">
             <a:extLst>
               <a:ext uri="{FF2B5EF4-FFF2-40B4-BE49-F238E27FC236}">
-                <a16:creationId xmlns:a16="http://schemas.microsoft.com/office/drawing/2014/main" id="{822B14F2-F69C-4EBF-A1BB-3DD8E47BADEF}"/>
+                <a16:creationId xmlns:a16="http://schemas.microsoft.com/office/drawing/2014/main" id="{CF54C6AE-7033-4549-84AE-34EA7E8EE934}"/>
               </a:ext>
             </a:extLst>
           </p:cNvPr>
@@ -7397,81 +5921,115 @@
           <a:bodyPr/>
           <a:lstStyle/>
           <a:p>
+            <a:pPr algn="ctr"/>
             <a:r>
               <a:rPr lang="ru-RU" dirty="0"/>
-              <a:t>Программы в </a:t>
-            </a:r>
-            <a:r>
-              <a:rPr lang="en-US" dirty="0"/>
-              <a:t>Python</a:t>
-            </a:r>
-          </a:p>
-        </p:txBody>
-      </p:sp>
-      <p:pic>
-        <p:nvPicPr>
-          <p:cNvPr id="5" name="Picture 4">
+              <a:t>Практическая часть</a:t>
+            </a:r>
+            <a:endParaRPr lang="en-US" dirty="0"/>
+          </a:p>
+        </p:txBody>
+      </p:sp>
+      <p:sp>
+        <p:nvSpPr>
+          <p:cNvPr id="3" name="Content Placeholder 2">
             <a:extLst>
               <a:ext uri="{FF2B5EF4-FFF2-40B4-BE49-F238E27FC236}">
-                <a16:creationId xmlns:a16="http://schemas.microsoft.com/office/drawing/2014/main" id="{76EEFD29-21E0-4DC4-89C9-B582BC0BA316}"/>
+                <a16:creationId xmlns:a16="http://schemas.microsoft.com/office/drawing/2014/main" id="{FC267814-257A-4A27-90B4-A6E47B983D5D}"/>
               </a:ext>
             </a:extLst>
           </p:cNvPr>
-          <p:cNvPicPr>
-            <a:picLocks noChangeAspect="1"/>
-          </p:cNvPicPr>
-          <p:nvPr/>
-        </p:nvPicPr>
-        <p:blipFill>
-          <a:blip r:embed="rId3"/>
-          <a:stretch>
-            <a:fillRect/>
-          </a:stretch>
-        </p:blipFill>
+          <p:cNvSpPr>
+            <a:spLocks noGrp="1"/>
+          </p:cNvSpPr>
+          <p:nvPr>
+            <p:ph idx="1"/>
+          </p:nvPr>
+        </p:nvSpPr>
         <p:spPr>
           <a:xfrm>
-            <a:off x="406077" y="2432093"/>
-            <a:ext cx="5861478" cy="2930739"/>
+            <a:off x="603421" y="2159257"/>
+            <a:ext cx="10985157" cy="3944980"/>
           </a:xfrm>
-          <a:prstGeom prst="rect">
-            <a:avLst/>
-          </a:prstGeom>
         </p:spPr>
-      </p:pic>
-      <p:pic>
-        <p:nvPicPr>
-          <p:cNvPr id="7" name="Picture 6">
-            <a:extLst>
-              <a:ext uri="{FF2B5EF4-FFF2-40B4-BE49-F238E27FC236}">
-                <a16:creationId xmlns:a16="http://schemas.microsoft.com/office/drawing/2014/main" id="{3AF8CBB8-5C19-43CE-AE76-24ED9519C4FA}"/>
-              </a:ext>
-            </a:extLst>
-          </p:cNvPr>
-          <p:cNvPicPr>
-            <a:picLocks noChangeAspect="1"/>
-          </p:cNvPicPr>
-          <p:nvPr/>
-        </p:nvPicPr>
-        <p:blipFill>
-          <a:blip r:embed="rId4"/>
-          <a:stretch>
-            <a:fillRect/>
-          </a:stretch>
-        </p:blipFill>
-        <p:spPr>
-          <a:xfrm>
-            <a:off x="6549446" y="2432093"/>
-            <a:ext cx="5349111" cy="2930739"/>
-          </a:xfrm>
-          <a:prstGeom prst="rect">
-            <a:avLst/>
-          </a:prstGeom>
-        </p:spPr>
-      </p:pic>
+        <p:txBody>
+          <a:bodyPr>
+            <a:normAutofit/>
+          </a:bodyPr>
+          <a:lstStyle/>
+          <a:p>
+            <a:pPr marL="0" indent="0">
+              <a:buNone/>
+            </a:pPr>
+            <a:r>
+              <a:rPr lang="ru-RU" sz="4200" dirty="0"/>
+              <a:t>Ссылка на репозиторий </a:t>
+            </a:r>
+            <a:endParaRPr lang="en-US" sz="4200" dirty="0"/>
+          </a:p>
+          <a:p>
+            <a:pPr marL="0" indent="0">
+              <a:buNone/>
+            </a:pPr>
+            <a:r>
+              <a:rPr lang="en-US" sz="4200" dirty="0"/>
+              <a:t>	https://</a:t>
+            </a:r>
+            <a:r>
+              <a:rPr lang="en-US" sz="4200" dirty="0" err="1"/>
+              <a:t>github.com</a:t>
+            </a:r>
+            <a:r>
+              <a:rPr lang="en-US" sz="4200" dirty="0"/>
+              <a:t>/</a:t>
+            </a:r>
+            <a:r>
+              <a:rPr lang="en-US" sz="4200" dirty="0" err="1"/>
+              <a:t>stsdmchv</a:t>
+            </a:r>
+            <a:r>
+              <a:rPr lang="en-US" sz="4200" dirty="0"/>
+              <a:t>/OP-2022</a:t>
+            </a:r>
+          </a:p>
+          <a:p>
+            <a:pPr marL="0" indent="0">
+              <a:buNone/>
+            </a:pPr>
+            <a:endParaRPr lang="en-US" sz="4200"/>
+          </a:p>
+          <a:p>
+            <a:pPr marL="0" indent="0">
+              <a:buNone/>
+            </a:pPr>
+            <a:r>
+              <a:rPr lang="ru-RU" sz="4200"/>
+              <a:t>Ссылка </a:t>
+            </a:r>
+            <a:r>
+              <a:rPr lang="ru-RU" sz="4200" dirty="0"/>
+              <a:t>на онлайн-компилятор – </a:t>
+            </a:r>
+            <a:r>
+              <a:rPr lang="en-US" sz="4200" dirty="0">
+                <a:effectLst/>
+              </a:rPr>
+              <a:t>clck.ru/</a:t>
+            </a:r>
+            <a:r>
+              <a:rPr lang="en-US" sz="4200" dirty="0" err="1">
+                <a:effectLst/>
+              </a:rPr>
+              <a:t>TDTdL</a:t>
+            </a:r>
+            <a:endParaRPr lang="en-US" sz="4200" dirty="0"/>
+          </a:p>
+        </p:txBody>
+      </p:sp>
     </p:spTree>
     <p:extLst>
       <p:ext uri="{BB962C8B-B14F-4D97-AF65-F5344CB8AC3E}">
-        <p14:creationId xmlns:p14="http://schemas.microsoft.com/office/powerpoint/2010/main" val="881155072"/>
+        <p14:creationId xmlns:p14="http://schemas.microsoft.com/office/powerpoint/2010/main" val="501091909"/>
       </p:ext>
     </p:extLst>
   </p:cSld>
@@ -7612,955 +6170,6 @@
 </p:sld>
 </file>
 
-<file path=ppt/slides/slide20.xml><?xml version="1.0" encoding="utf-8"?>
-<p:sld xmlns:a="http://schemas.openxmlformats.org/drawingml/2006/main" xmlns:r="http://schemas.openxmlformats.org/officeDocument/2006/relationships" xmlns:p="http://schemas.openxmlformats.org/presentationml/2006/main">
-  <p:cSld>
-    <p:spTree>
-      <p:nvGrpSpPr>
-        <p:cNvPr id="1" name=""/>
-        <p:cNvGrpSpPr/>
-        <p:nvPr/>
-      </p:nvGrpSpPr>
-      <p:grpSpPr>
-        <a:xfrm>
-          <a:off x="0" y="0"/>
-          <a:ext cx="0" cy="0"/>
-          <a:chOff x="0" y="0"/>
-          <a:chExt cx="0" cy="0"/>
-        </a:xfrm>
-      </p:grpSpPr>
-      <p:sp>
-        <p:nvSpPr>
-          <p:cNvPr id="2" name="Title 1">
-            <a:extLst>
-              <a:ext uri="{FF2B5EF4-FFF2-40B4-BE49-F238E27FC236}">
-                <a16:creationId xmlns:a16="http://schemas.microsoft.com/office/drawing/2014/main" id="{492C6A78-B421-4E9D-BFAF-5FC2961002AA}"/>
-              </a:ext>
-            </a:extLst>
-          </p:cNvPr>
-          <p:cNvSpPr>
-            <a:spLocks noGrp="1"/>
-          </p:cNvSpPr>
-          <p:nvPr>
-            <p:ph type="title"/>
-          </p:nvPr>
-        </p:nvSpPr>
-        <p:spPr/>
-        <p:txBody>
-          <a:bodyPr/>
-          <a:lstStyle/>
-          <a:p>
-            <a:r>
-              <a:rPr lang="ru-RU" dirty="0"/>
-              <a:t>Режим интерпретатора</a:t>
-            </a:r>
-            <a:endParaRPr lang="en-US" dirty="0"/>
-          </a:p>
-        </p:txBody>
-      </p:sp>
-      <p:pic>
-        <p:nvPicPr>
-          <p:cNvPr id="5" name="Content Placeholder 4">
-            <a:extLst>
-              <a:ext uri="{FF2B5EF4-FFF2-40B4-BE49-F238E27FC236}">
-                <a16:creationId xmlns:a16="http://schemas.microsoft.com/office/drawing/2014/main" id="{D1AC4792-C8D1-403B-B3D4-EC1073133A69}"/>
-              </a:ext>
-            </a:extLst>
-          </p:cNvPr>
-          <p:cNvPicPr>
-            <a:picLocks noGrp="1" noChangeAspect="1"/>
-          </p:cNvPicPr>
-          <p:nvPr>
-            <p:ph idx="1"/>
-          </p:nvPr>
-        </p:nvPicPr>
-        <p:blipFill>
-          <a:blip r:embed="rId3"/>
-          <a:stretch>
-            <a:fillRect/>
-          </a:stretch>
-        </p:blipFill>
-        <p:spPr>
-          <a:xfrm>
-            <a:off x="2333238" y="1992162"/>
-            <a:ext cx="8157648" cy="3856768"/>
-          </a:xfrm>
-        </p:spPr>
-      </p:pic>
-    </p:spTree>
-    <p:extLst>
-      <p:ext uri="{BB962C8B-B14F-4D97-AF65-F5344CB8AC3E}">
-        <p14:creationId xmlns:p14="http://schemas.microsoft.com/office/powerpoint/2010/main" val="3912470227"/>
-      </p:ext>
-    </p:extLst>
-  </p:cSld>
-  <p:clrMapOvr>
-    <a:masterClrMapping/>
-  </p:clrMapOvr>
-</p:sld>
-</file>
-
-<file path=ppt/slides/slide21.xml><?xml version="1.0" encoding="utf-8"?>
-<p:sld xmlns:a="http://schemas.openxmlformats.org/drawingml/2006/main" xmlns:r="http://schemas.openxmlformats.org/officeDocument/2006/relationships" xmlns:p="http://schemas.openxmlformats.org/presentationml/2006/main">
-  <p:cSld>
-    <p:spTree>
-      <p:nvGrpSpPr>
-        <p:cNvPr id="1" name=""/>
-        <p:cNvGrpSpPr/>
-        <p:nvPr/>
-      </p:nvGrpSpPr>
-      <p:grpSpPr>
-        <a:xfrm>
-          <a:off x="0" y="0"/>
-          <a:ext cx="0" cy="0"/>
-          <a:chOff x="0" y="0"/>
-          <a:chExt cx="0" cy="0"/>
-        </a:xfrm>
-      </p:grpSpPr>
-      <p:sp>
-        <p:nvSpPr>
-          <p:cNvPr id="2" name="Title 1">
-            <a:extLst>
-              <a:ext uri="{FF2B5EF4-FFF2-40B4-BE49-F238E27FC236}">
-                <a16:creationId xmlns:a16="http://schemas.microsoft.com/office/drawing/2014/main" id="{8BF40CD0-86F0-42E5-A57E-FE11D8F91356}"/>
-              </a:ext>
-            </a:extLst>
-          </p:cNvPr>
-          <p:cNvSpPr>
-            <a:spLocks noGrp="1"/>
-          </p:cNvSpPr>
-          <p:nvPr>
-            <p:ph type="title"/>
-          </p:nvPr>
-        </p:nvSpPr>
-        <p:spPr/>
-        <p:txBody>
-          <a:bodyPr/>
-          <a:lstStyle/>
-          <a:p>
-            <a:r>
-              <a:rPr lang="ru-RU" dirty="0"/>
-              <a:t>Блок </a:t>
-            </a:r>
-            <a:r>
-              <a:rPr lang="en-US" dirty="0"/>
-              <a:t>main</a:t>
-            </a:r>
-          </a:p>
-        </p:txBody>
-      </p:sp>
-      <p:pic>
-        <p:nvPicPr>
-          <p:cNvPr id="5" name="Content Placeholder 4">
-            <a:extLst>
-              <a:ext uri="{FF2B5EF4-FFF2-40B4-BE49-F238E27FC236}">
-                <a16:creationId xmlns:a16="http://schemas.microsoft.com/office/drawing/2014/main" id="{619CB618-5858-4640-818A-DC8D3163A2C0}"/>
-              </a:ext>
-            </a:extLst>
-          </p:cNvPr>
-          <p:cNvPicPr>
-            <a:picLocks noGrp="1" noChangeAspect="1"/>
-          </p:cNvPicPr>
-          <p:nvPr>
-            <p:ph idx="1"/>
-          </p:nvPr>
-        </p:nvPicPr>
-        <p:blipFill>
-          <a:blip r:embed="rId3"/>
-          <a:stretch>
-            <a:fillRect/>
-          </a:stretch>
-        </p:blipFill>
-        <p:spPr>
-          <a:xfrm>
-            <a:off x="2347863" y="1753565"/>
-            <a:ext cx="7496274" cy="3350869"/>
-          </a:xfrm>
-        </p:spPr>
-      </p:pic>
-    </p:spTree>
-    <p:extLst>
-      <p:ext uri="{BB962C8B-B14F-4D97-AF65-F5344CB8AC3E}">
-        <p14:creationId xmlns:p14="http://schemas.microsoft.com/office/powerpoint/2010/main" val="403493871"/>
-      </p:ext>
-    </p:extLst>
-  </p:cSld>
-  <p:clrMapOvr>
-    <a:masterClrMapping/>
-  </p:clrMapOvr>
-</p:sld>
-</file>
-
-<file path=ppt/slides/slide22.xml><?xml version="1.0" encoding="utf-8"?>
-<p:sld xmlns:a="http://schemas.openxmlformats.org/drawingml/2006/main" xmlns:r="http://schemas.openxmlformats.org/officeDocument/2006/relationships" xmlns:p="http://schemas.openxmlformats.org/presentationml/2006/main">
-  <p:cSld>
-    <p:spTree>
-      <p:nvGrpSpPr>
-        <p:cNvPr id="1" name=""/>
-        <p:cNvGrpSpPr/>
-        <p:nvPr/>
-      </p:nvGrpSpPr>
-      <p:grpSpPr>
-        <a:xfrm>
-          <a:off x="0" y="0"/>
-          <a:ext cx="0" cy="0"/>
-          <a:chOff x="0" y="0"/>
-          <a:chExt cx="0" cy="0"/>
-        </a:xfrm>
-      </p:grpSpPr>
-      <p:sp>
-        <p:nvSpPr>
-          <p:cNvPr id="2" name="Title 1">
-            <a:extLst>
-              <a:ext uri="{FF2B5EF4-FFF2-40B4-BE49-F238E27FC236}">
-                <a16:creationId xmlns:a16="http://schemas.microsoft.com/office/drawing/2014/main" id="{AB772180-BA4E-4698-AD6E-841FDCD1EDB1}"/>
-              </a:ext>
-            </a:extLst>
-          </p:cNvPr>
-          <p:cNvSpPr>
-            <a:spLocks noGrp="1"/>
-          </p:cNvSpPr>
-          <p:nvPr>
-            <p:ph type="title"/>
-          </p:nvPr>
-        </p:nvSpPr>
-        <p:spPr/>
-        <p:txBody>
-          <a:bodyPr/>
-          <a:lstStyle/>
-          <a:p>
-            <a:r>
-              <a:rPr lang="ru-RU" dirty="0"/>
-              <a:t>Кодировка </a:t>
-            </a:r>
-            <a:r>
-              <a:rPr lang="en-US" dirty="0"/>
-              <a:t>UTF-8</a:t>
-            </a:r>
-          </a:p>
-        </p:txBody>
-      </p:sp>
-      <p:pic>
-        <p:nvPicPr>
-          <p:cNvPr id="9" name="Picture 8">
-            <a:extLst>
-              <a:ext uri="{FF2B5EF4-FFF2-40B4-BE49-F238E27FC236}">
-                <a16:creationId xmlns:a16="http://schemas.microsoft.com/office/drawing/2014/main" id="{1894C1E3-46AF-4F1D-AC58-AD1B30F22BFA}"/>
-              </a:ext>
-            </a:extLst>
-          </p:cNvPr>
-          <p:cNvPicPr>
-            <a:picLocks noChangeAspect="1"/>
-          </p:cNvPicPr>
-          <p:nvPr/>
-        </p:nvPicPr>
-        <p:blipFill>
-          <a:blip r:embed="rId3"/>
-          <a:stretch>
-            <a:fillRect/>
-          </a:stretch>
-        </p:blipFill>
-        <p:spPr>
-          <a:xfrm>
-            <a:off x="1987627" y="1844503"/>
-            <a:ext cx="8216746" cy="3168993"/>
-          </a:xfrm>
-          <a:prstGeom prst="rect">
-            <a:avLst/>
-          </a:prstGeom>
-        </p:spPr>
-      </p:pic>
-    </p:spTree>
-    <p:extLst>
-      <p:ext uri="{BB962C8B-B14F-4D97-AF65-F5344CB8AC3E}">
-        <p14:creationId xmlns:p14="http://schemas.microsoft.com/office/powerpoint/2010/main" val="4190303555"/>
-      </p:ext>
-    </p:extLst>
-  </p:cSld>
-  <p:clrMapOvr>
-    <a:masterClrMapping/>
-  </p:clrMapOvr>
-</p:sld>
-</file>
-
-<file path=ppt/slides/slide23.xml><?xml version="1.0" encoding="utf-8"?>
-<p:sld xmlns:a="http://schemas.openxmlformats.org/drawingml/2006/main" xmlns:r="http://schemas.openxmlformats.org/officeDocument/2006/relationships" xmlns:p="http://schemas.openxmlformats.org/presentationml/2006/main">
-  <p:cSld>
-    <p:spTree>
-      <p:nvGrpSpPr>
-        <p:cNvPr id="1" name=""/>
-        <p:cNvGrpSpPr/>
-        <p:nvPr/>
-      </p:nvGrpSpPr>
-      <p:grpSpPr>
-        <a:xfrm>
-          <a:off x="0" y="0"/>
-          <a:ext cx="0" cy="0"/>
-          <a:chOff x="0" y="0"/>
-          <a:chExt cx="0" cy="0"/>
-        </a:xfrm>
-      </p:grpSpPr>
-      <p:sp>
-        <p:nvSpPr>
-          <p:cNvPr id="2" name="Title 1">
-            <a:extLst>
-              <a:ext uri="{FF2B5EF4-FFF2-40B4-BE49-F238E27FC236}">
-                <a16:creationId xmlns:a16="http://schemas.microsoft.com/office/drawing/2014/main" id="{82C89F6C-7822-4ACC-991B-25FB8294A0E7}"/>
-              </a:ext>
-            </a:extLst>
-          </p:cNvPr>
-          <p:cNvSpPr>
-            <a:spLocks noGrp="1"/>
-          </p:cNvSpPr>
-          <p:nvPr>
-            <p:ph type="title"/>
-          </p:nvPr>
-        </p:nvSpPr>
-        <p:spPr/>
-        <p:txBody>
-          <a:bodyPr/>
-          <a:lstStyle/>
-          <a:p>
-            <a:r>
-              <a:rPr lang="ru-RU" dirty="0"/>
-              <a:t>Комментарии</a:t>
-            </a:r>
-            <a:endParaRPr lang="en-US" dirty="0"/>
-          </a:p>
-        </p:txBody>
-      </p:sp>
-      <p:pic>
-        <p:nvPicPr>
-          <p:cNvPr id="7" name="Picture 6">
-            <a:extLst>
-              <a:ext uri="{FF2B5EF4-FFF2-40B4-BE49-F238E27FC236}">
-                <a16:creationId xmlns:a16="http://schemas.microsoft.com/office/drawing/2014/main" id="{A83814C4-CC52-4924-8300-0AC1B1F569BA}"/>
-              </a:ext>
-            </a:extLst>
-          </p:cNvPr>
-          <p:cNvPicPr>
-            <a:picLocks noChangeAspect="1"/>
-          </p:cNvPicPr>
-          <p:nvPr/>
-        </p:nvPicPr>
-        <p:blipFill>
-          <a:blip r:embed="rId3"/>
-          <a:stretch>
-            <a:fillRect/>
-          </a:stretch>
-        </p:blipFill>
-        <p:spPr>
-          <a:xfrm>
-            <a:off x="1202936" y="2608498"/>
-            <a:ext cx="9786127" cy="1641003"/>
-          </a:xfrm>
-          <a:prstGeom prst="rect">
-            <a:avLst/>
-          </a:prstGeom>
-        </p:spPr>
-      </p:pic>
-    </p:spTree>
-    <p:extLst>
-      <p:ext uri="{BB962C8B-B14F-4D97-AF65-F5344CB8AC3E}">
-        <p14:creationId xmlns:p14="http://schemas.microsoft.com/office/powerpoint/2010/main" val="1804923854"/>
-      </p:ext>
-    </p:extLst>
-  </p:cSld>
-  <p:clrMapOvr>
-    <a:masterClrMapping/>
-  </p:clrMapOvr>
-</p:sld>
-</file>
-
-<file path=ppt/slides/slide24.xml><?xml version="1.0" encoding="utf-8"?>
-<p:sld xmlns:a="http://schemas.openxmlformats.org/drawingml/2006/main" xmlns:r="http://schemas.openxmlformats.org/officeDocument/2006/relationships" xmlns:p="http://schemas.openxmlformats.org/presentationml/2006/main">
-  <p:cSld>
-    <p:spTree>
-      <p:nvGrpSpPr>
-        <p:cNvPr id="1" name=""/>
-        <p:cNvGrpSpPr/>
-        <p:nvPr/>
-      </p:nvGrpSpPr>
-      <p:grpSpPr>
-        <a:xfrm>
-          <a:off x="0" y="0"/>
-          <a:ext cx="0" cy="0"/>
-          <a:chOff x="0" y="0"/>
-          <a:chExt cx="0" cy="0"/>
-        </a:xfrm>
-      </p:grpSpPr>
-      <p:sp>
-        <p:nvSpPr>
-          <p:cNvPr id="2" name="Title 1">
-            <a:extLst>
-              <a:ext uri="{FF2B5EF4-FFF2-40B4-BE49-F238E27FC236}">
-                <a16:creationId xmlns:a16="http://schemas.microsoft.com/office/drawing/2014/main" id="{594C8F19-0EF2-40A0-8F37-B7E812A560DD}"/>
-              </a:ext>
-            </a:extLst>
-          </p:cNvPr>
-          <p:cNvSpPr>
-            <a:spLocks noGrp="1"/>
-          </p:cNvSpPr>
-          <p:nvPr>
-            <p:ph type="title"/>
-          </p:nvPr>
-        </p:nvSpPr>
-        <p:spPr/>
-        <p:txBody>
-          <a:bodyPr/>
-          <a:lstStyle/>
-          <a:p>
-            <a:r>
-              <a:rPr lang="ru-RU" dirty="0"/>
-              <a:t>Многострочные комментарии</a:t>
-            </a:r>
-            <a:endParaRPr lang="en-US" dirty="0"/>
-          </a:p>
-        </p:txBody>
-      </p:sp>
-      <p:pic>
-        <p:nvPicPr>
-          <p:cNvPr id="5" name="Content Placeholder 4">
-            <a:extLst>
-              <a:ext uri="{FF2B5EF4-FFF2-40B4-BE49-F238E27FC236}">
-                <a16:creationId xmlns:a16="http://schemas.microsoft.com/office/drawing/2014/main" id="{F7968A91-78DB-4F18-9F26-122F9E3A2842}"/>
-              </a:ext>
-            </a:extLst>
-          </p:cNvPr>
-          <p:cNvPicPr>
-            <a:picLocks noGrp="1" noChangeAspect="1"/>
-          </p:cNvPicPr>
-          <p:nvPr>
-            <p:ph idx="1"/>
-          </p:nvPr>
-        </p:nvPicPr>
-        <p:blipFill>
-          <a:blip r:embed="rId3"/>
-          <a:stretch>
-            <a:fillRect/>
-          </a:stretch>
-        </p:blipFill>
-        <p:spPr>
-          <a:xfrm>
-            <a:off x="838200" y="2128473"/>
-            <a:ext cx="10492098" cy="2789516"/>
-          </a:xfrm>
-        </p:spPr>
-      </p:pic>
-    </p:spTree>
-    <p:extLst>
-      <p:ext uri="{BB962C8B-B14F-4D97-AF65-F5344CB8AC3E}">
-        <p14:creationId xmlns:p14="http://schemas.microsoft.com/office/powerpoint/2010/main" val="3194377201"/>
-      </p:ext>
-    </p:extLst>
-  </p:cSld>
-  <p:clrMapOvr>
-    <a:masterClrMapping/>
-  </p:clrMapOvr>
-</p:sld>
-</file>
-
-<file path=ppt/slides/slide25.xml><?xml version="1.0" encoding="utf-8"?>
-<p:sld xmlns:a="http://schemas.openxmlformats.org/drawingml/2006/main" xmlns:r="http://schemas.openxmlformats.org/officeDocument/2006/relationships" xmlns:p="http://schemas.openxmlformats.org/presentationml/2006/main">
-  <p:cSld>
-    <p:spTree>
-      <p:nvGrpSpPr>
-        <p:cNvPr id="1" name=""/>
-        <p:cNvGrpSpPr/>
-        <p:nvPr/>
-      </p:nvGrpSpPr>
-      <p:grpSpPr>
-        <a:xfrm>
-          <a:off x="0" y="0"/>
-          <a:ext cx="0" cy="0"/>
-          <a:chOff x="0" y="0"/>
-          <a:chExt cx="0" cy="0"/>
-        </a:xfrm>
-      </p:grpSpPr>
-      <p:sp>
-        <p:nvSpPr>
-          <p:cNvPr id="2" name="Title 1">
-            <a:extLst>
-              <a:ext uri="{FF2B5EF4-FFF2-40B4-BE49-F238E27FC236}">
-                <a16:creationId xmlns:a16="http://schemas.microsoft.com/office/drawing/2014/main" id="{6CC5F33C-F9F8-4853-9C5E-BEC22A812D4E}"/>
-              </a:ext>
-            </a:extLst>
-          </p:cNvPr>
-          <p:cNvSpPr>
-            <a:spLocks noGrp="1"/>
-          </p:cNvSpPr>
-          <p:nvPr>
-            <p:ph type="title"/>
-          </p:nvPr>
-        </p:nvSpPr>
-        <p:spPr/>
-        <p:txBody>
-          <a:bodyPr/>
-          <a:lstStyle/>
-          <a:p>
-            <a:r>
-              <a:rPr lang="ru-RU" dirty="0"/>
-              <a:t>Значение </a:t>
-            </a:r>
-            <a:r>
-              <a:rPr lang="en-US" dirty="0"/>
-              <a:t>pass </a:t>
-            </a:r>
-            <a:r>
-              <a:rPr lang="ru-RU" dirty="0"/>
-              <a:t>и отступы</a:t>
-            </a:r>
-            <a:endParaRPr lang="en-US" dirty="0"/>
-          </a:p>
-        </p:txBody>
-      </p:sp>
-      <p:pic>
-        <p:nvPicPr>
-          <p:cNvPr id="4" name="Content Placeholder 4">
-            <a:extLst>
-              <a:ext uri="{FF2B5EF4-FFF2-40B4-BE49-F238E27FC236}">
-                <a16:creationId xmlns:a16="http://schemas.microsoft.com/office/drawing/2014/main" id="{34B578B9-008E-4A12-84DB-64ABD4801879}"/>
-              </a:ext>
-            </a:extLst>
-          </p:cNvPr>
-          <p:cNvPicPr>
-            <a:picLocks noGrp="1" noChangeAspect="1"/>
-          </p:cNvPicPr>
-          <p:nvPr>
-            <p:ph idx="1"/>
-          </p:nvPr>
-        </p:nvPicPr>
-        <p:blipFill>
-          <a:blip r:embed="rId3"/>
-          <a:stretch>
-            <a:fillRect/>
-          </a:stretch>
-        </p:blipFill>
-        <p:spPr>
-          <a:xfrm>
-            <a:off x="2265792" y="1999606"/>
-            <a:ext cx="7660416" cy="3424241"/>
-          </a:xfrm>
-        </p:spPr>
-      </p:pic>
-    </p:spTree>
-    <p:extLst>
-      <p:ext uri="{BB962C8B-B14F-4D97-AF65-F5344CB8AC3E}">
-        <p14:creationId xmlns:p14="http://schemas.microsoft.com/office/powerpoint/2010/main" val="837239183"/>
-      </p:ext>
-    </p:extLst>
-  </p:cSld>
-  <p:clrMapOvr>
-    <a:masterClrMapping/>
-  </p:clrMapOvr>
-</p:sld>
-</file>
-
-<file path=ppt/slides/slide26.xml><?xml version="1.0" encoding="utf-8"?>
-<p:sld xmlns:a="http://schemas.openxmlformats.org/drawingml/2006/main" xmlns:r="http://schemas.openxmlformats.org/officeDocument/2006/relationships" xmlns:p="http://schemas.openxmlformats.org/presentationml/2006/main">
-  <p:cSld>
-    <p:spTree>
-      <p:nvGrpSpPr>
-        <p:cNvPr id="1" name=""/>
-        <p:cNvGrpSpPr/>
-        <p:nvPr/>
-      </p:nvGrpSpPr>
-      <p:grpSpPr>
-        <a:xfrm>
-          <a:off x="0" y="0"/>
-          <a:ext cx="0" cy="0"/>
-          <a:chOff x="0" y="0"/>
-          <a:chExt cx="0" cy="0"/>
-        </a:xfrm>
-      </p:grpSpPr>
-      <p:sp>
-        <p:nvSpPr>
-          <p:cNvPr id="2" name="Title 1">
-            <a:extLst>
-              <a:ext uri="{FF2B5EF4-FFF2-40B4-BE49-F238E27FC236}">
-                <a16:creationId xmlns:a16="http://schemas.microsoft.com/office/drawing/2014/main" id="{D19DA0F7-A8FF-4B9D-921D-32C7149CF955}"/>
-              </a:ext>
-            </a:extLst>
-          </p:cNvPr>
-          <p:cNvSpPr>
-            <a:spLocks noGrp="1"/>
-          </p:cNvSpPr>
-          <p:nvPr>
-            <p:ph type="title"/>
-          </p:nvPr>
-        </p:nvSpPr>
-        <p:spPr/>
-        <p:txBody>
-          <a:bodyPr/>
-          <a:lstStyle/>
-          <a:p>
-            <a:r>
-              <a:rPr lang="ru-RU" dirty="0"/>
-              <a:t>Типы данных. Строки</a:t>
-            </a:r>
-            <a:endParaRPr lang="en-US" dirty="0"/>
-          </a:p>
-        </p:txBody>
-      </p:sp>
-      <p:grpSp>
-        <p:nvGrpSpPr>
-          <p:cNvPr id="11" name="Group 10">
-            <a:extLst>
-              <a:ext uri="{FF2B5EF4-FFF2-40B4-BE49-F238E27FC236}">
-                <a16:creationId xmlns:a16="http://schemas.microsoft.com/office/drawing/2014/main" id="{D9CD0636-0333-4075-9F31-FD2896BDE0FC}"/>
-              </a:ext>
-            </a:extLst>
-          </p:cNvPr>
-          <p:cNvGrpSpPr/>
-          <p:nvPr/>
-        </p:nvGrpSpPr>
-        <p:grpSpPr>
-          <a:xfrm>
-            <a:off x="965952" y="2140336"/>
-            <a:ext cx="14375136" cy="2315347"/>
-            <a:chOff x="879456" y="2565572"/>
-            <a:chExt cx="10721412" cy="1726856"/>
-          </a:xfrm>
-        </p:grpSpPr>
-        <p:pic>
-          <p:nvPicPr>
-            <p:cNvPr id="9" name="Picture 8">
-              <a:extLst>
-                <a:ext uri="{FF2B5EF4-FFF2-40B4-BE49-F238E27FC236}">
-                  <a16:creationId xmlns:a16="http://schemas.microsoft.com/office/drawing/2014/main" id="{99FA591B-DB29-4256-9F35-FB4317BE4742}"/>
-                </a:ext>
-              </a:extLst>
-            </p:cNvPr>
-            <p:cNvPicPr>
-              <a:picLocks noChangeAspect="1"/>
-            </p:cNvPicPr>
-            <p:nvPr/>
-          </p:nvPicPr>
-          <p:blipFill rotWithShape="1">
-            <a:blip r:embed="rId3"/>
-            <a:srcRect r="48618"/>
-            <a:stretch/>
-          </p:blipFill>
-          <p:spPr>
-            <a:xfrm>
-              <a:off x="879456" y="2565572"/>
-              <a:ext cx="5360706" cy="1726856"/>
-            </a:xfrm>
-            <a:prstGeom prst="rect">
-              <a:avLst/>
-            </a:prstGeom>
-          </p:spPr>
-        </p:pic>
-        <p:pic>
-          <p:nvPicPr>
-            <p:cNvPr id="10" name="Picture 9">
-              <a:extLst>
-                <a:ext uri="{FF2B5EF4-FFF2-40B4-BE49-F238E27FC236}">
-                  <a16:creationId xmlns:a16="http://schemas.microsoft.com/office/drawing/2014/main" id="{3A501C2C-DC47-4F18-9272-E5C61B7FE0D3}"/>
-                </a:ext>
-              </a:extLst>
-            </p:cNvPr>
-            <p:cNvPicPr>
-              <a:picLocks noChangeAspect="1"/>
-            </p:cNvPicPr>
-            <p:nvPr/>
-          </p:nvPicPr>
-          <p:blipFill rotWithShape="1">
-            <a:blip r:embed="rId3"/>
-            <a:srcRect l="81368" r="-32750"/>
-            <a:stretch/>
-          </p:blipFill>
-          <p:spPr>
-            <a:xfrm>
-              <a:off x="6240162" y="2565572"/>
-              <a:ext cx="5360706" cy="1726856"/>
-            </a:xfrm>
-            <a:prstGeom prst="rect">
-              <a:avLst/>
-            </a:prstGeom>
-          </p:spPr>
-        </p:pic>
-      </p:grpSp>
-    </p:spTree>
-    <p:extLst>
-      <p:ext uri="{BB962C8B-B14F-4D97-AF65-F5344CB8AC3E}">
-        <p14:creationId xmlns:p14="http://schemas.microsoft.com/office/powerpoint/2010/main" val="3802916711"/>
-      </p:ext>
-    </p:extLst>
-  </p:cSld>
-  <p:clrMapOvr>
-    <a:masterClrMapping/>
-  </p:clrMapOvr>
-</p:sld>
-</file>
-
-<file path=ppt/slides/slide27.xml><?xml version="1.0" encoding="utf-8"?>
-<p:sld xmlns:a="http://schemas.openxmlformats.org/drawingml/2006/main" xmlns:r="http://schemas.openxmlformats.org/officeDocument/2006/relationships" xmlns:p="http://schemas.openxmlformats.org/presentationml/2006/main">
-  <p:cSld>
-    <p:spTree>
-      <p:nvGrpSpPr>
-        <p:cNvPr id="1" name=""/>
-        <p:cNvGrpSpPr/>
-        <p:nvPr/>
-      </p:nvGrpSpPr>
-      <p:grpSpPr>
-        <a:xfrm>
-          <a:off x="0" y="0"/>
-          <a:ext cx="0" cy="0"/>
-          <a:chOff x="0" y="0"/>
-          <a:chExt cx="0" cy="0"/>
-        </a:xfrm>
-      </p:grpSpPr>
-      <p:sp>
-        <p:nvSpPr>
-          <p:cNvPr id="2" name="Title 1">
-            <a:extLst>
-              <a:ext uri="{FF2B5EF4-FFF2-40B4-BE49-F238E27FC236}">
-                <a16:creationId xmlns:a16="http://schemas.microsoft.com/office/drawing/2014/main" id="{8F25288C-53F7-4E85-8C5A-8EAD557CCD6C}"/>
-              </a:ext>
-            </a:extLst>
-          </p:cNvPr>
-          <p:cNvSpPr>
-            <a:spLocks noGrp="1"/>
-          </p:cNvSpPr>
-          <p:nvPr>
-            <p:ph type="title"/>
-          </p:nvPr>
-        </p:nvSpPr>
-        <p:spPr/>
-        <p:txBody>
-          <a:bodyPr/>
-          <a:lstStyle/>
-          <a:p>
-            <a:r>
-              <a:rPr lang="ru-RU" dirty="0"/>
-              <a:t>Типы данных. Числа</a:t>
-            </a:r>
-            <a:endParaRPr lang="en-US" dirty="0"/>
-          </a:p>
-        </p:txBody>
-      </p:sp>
-      <p:pic>
-        <p:nvPicPr>
-          <p:cNvPr id="7" name="Picture 6">
-            <a:extLst>
-              <a:ext uri="{FF2B5EF4-FFF2-40B4-BE49-F238E27FC236}">
-                <a16:creationId xmlns:a16="http://schemas.microsoft.com/office/drawing/2014/main" id="{1B57E222-5BBA-4889-BCD4-3BD0E519E409}"/>
-              </a:ext>
-            </a:extLst>
-          </p:cNvPr>
-          <p:cNvPicPr>
-            <a:picLocks noChangeAspect="1"/>
-          </p:cNvPicPr>
-          <p:nvPr/>
-        </p:nvPicPr>
-        <p:blipFill>
-          <a:blip r:embed="rId3"/>
-          <a:stretch>
-            <a:fillRect/>
-          </a:stretch>
-        </p:blipFill>
-        <p:spPr>
-          <a:xfrm>
-            <a:off x="3139517" y="1665964"/>
-            <a:ext cx="5912966" cy="4826911"/>
-          </a:xfrm>
-          <a:prstGeom prst="rect">
-            <a:avLst/>
-          </a:prstGeom>
-        </p:spPr>
-      </p:pic>
-    </p:spTree>
-    <p:extLst>
-      <p:ext uri="{BB962C8B-B14F-4D97-AF65-F5344CB8AC3E}">
-        <p14:creationId xmlns:p14="http://schemas.microsoft.com/office/powerpoint/2010/main" val="3969823043"/>
-      </p:ext>
-    </p:extLst>
-  </p:cSld>
-  <p:clrMapOvr>
-    <a:masterClrMapping/>
-  </p:clrMapOvr>
-</p:sld>
-</file>
-
-<file path=ppt/slides/slide28.xml><?xml version="1.0" encoding="utf-8"?>
-<p:sld xmlns:a="http://schemas.openxmlformats.org/drawingml/2006/main" xmlns:r="http://schemas.openxmlformats.org/officeDocument/2006/relationships" xmlns:p="http://schemas.openxmlformats.org/presentationml/2006/main">
-  <p:cSld>
-    <p:spTree>
-      <p:nvGrpSpPr>
-        <p:cNvPr id="1" name=""/>
-        <p:cNvGrpSpPr/>
-        <p:nvPr/>
-      </p:nvGrpSpPr>
-      <p:grpSpPr>
-        <a:xfrm>
-          <a:off x="0" y="0"/>
-          <a:ext cx="0" cy="0"/>
-          <a:chOff x="0" y="0"/>
-          <a:chExt cx="0" cy="0"/>
-        </a:xfrm>
-      </p:grpSpPr>
-      <p:sp>
-        <p:nvSpPr>
-          <p:cNvPr id="2" name="Title 1">
-            <a:extLst>
-              <a:ext uri="{FF2B5EF4-FFF2-40B4-BE49-F238E27FC236}">
-                <a16:creationId xmlns:a16="http://schemas.microsoft.com/office/drawing/2014/main" id="{8F25288C-53F7-4E85-8C5A-8EAD557CCD6C}"/>
-              </a:ext>
-            </a:extLst>
-          </p:cNvPr>
-          <p:cNvSpPr>
-            <a:spLocks noGrp="1"/>
-          </p:cNvSpPr>
-          <p:nvPr>
-            <p:ph type="title"/>
-          </p:nvPr>
-        </p:nvSpPr>
-        <p:spPr/>
-        <p:txBody>
-          <a:bodyPr/>
-          <a:lstStyle/>
-          <a:p>
-            <a:r>
-              <a:rPr lang="ru-RU" dirty="0"/>
-              <a:t>Типы данных. Числа</a:t>
-            </a:r>
-            <a:endParaRPr lang="en-US" dirty="0"/>
-          </a:p>
-        </p:txBody>
-      </p:sp>
-      <p:pic>
-        <p:nvPicPr>
-          <p:cNvPr id="7" name="Picture 6">
-            <a:extLst>
-              <a:ext uri="{FF2B5EF4-FFF2-40B4-BE49-F238E27FC236}">
-                <a16:creationId xmlns:a16="http://schemas.microsoft.com/office/drawing/2014/main" id="{1B57E222-5BBA-4889-BCD4-3BD0E519E409}"/>
-              </a:ext>
-            </a:extLst>
-          </p:cNvPr>
-          <p:cNvPicPr>
-            <a:picLocks noChangeAspect="1"/>
-          </p:cNvPicPr>
-          <p:nvPr/>
-        </p:nvPicPr>
-        <p:blipFill>
-          <a:blip r:embed="rId3"/>
-          <a:stretch>
-            <a:fillRect/>
-          </a:stretch>
-        </p:blipFill>
-        <p:spPr>
-          <a:xfrm>
-            <a:off x="3139517" y="1665964"/>
-            <a:ext cx="5912966" cy="4826911"/>
-          </a:xfrm>
-          <a:prstGeom prst="rect">
-            <a:avLst/>
-          </a:prstGeom>
-        </p:spPr>
-      </p:pic>
-    </p:spTree>
-    <p:extLst>
-      <p:ext uri="{BB962C8B-B14F-4D97-AF65-F5344CB8AC3E}">
-        <p14:creationId xmlns:p14="http://schemas.microsoft.com/office/powerpoint/2010/main" val="1159790121"/>
-      </p:ext>
-    </p:extLst>
-  </p:cSld>
-  <p:clrMapOvr>
-    <a:masterClrMapping/>
-  </p:clrMapOvr>
-</p:sld>
-</file>
-
-<file path=ppt/slides/slide29.xml><?xml version="1.0" encoding="utf-8"?>
-<p:sld xmlns:a="http://schemas.openxmlformats.org/drawingml/2006/main" xmlns:r="http://schemas.openxmlformats.org/officeDocument/2006/relationships" xmlns:p="http://schemas.openxmlformats.org/presentationml/2006/main">
-  <p:cSld>
-    <p:spTree>
-      <p:nvGrpSpPr>
-        <p:cNvPr id="1" name=""/>
-        <p:cNvGrpSpPr/>
-        <p:nvPr/>
-      </p:nvGrpSpPr>
-      <p:grpSpPr>
-        <a:xfrm>
-          <a:off x="0" y="0"/>
-          <a:ext cx="0" cy="0"/>
-          <a:chOff x="0" y="0"/>
-          <a:chExt cx="0" cy="0"/>
-        </a:xfrm>
-      </p:grpSpPr>
-      <p:sp>
-        <p:nvSpPr>
-          <p:cNvPr id="2" name="Title 1">
-            <a:extLst>
-              <a:ext uri="{FF2B5EF4-FFF2-40B4-BE49-F238E27FC236}">
-                <a16:creationId xmlns:a16="http://schemas.microsoft.com/office/drawing/2014/main" id="{AF51B906-A85B-4F12-8E81-A95A167F8E56}"/>
-              </a:ext>
-            </a:extLst>
-          </p:cNvPr>
-          <p:cNvSpPr>
-            <a:spLocks noGrp="1"/>
-          </p:cNvSpPr>
-          <p:nvPr>
-            <p:ph type="title"/>
-          </p:nvPr>
-        </p:nvSpPr>
-        <p:spPr/>
-        <p:txBody>
-          <a:bodyPr/>
-          <a:lstStyle/>
-          <a:p>
-            <a:r>
-              <a:rPr lang="ru-RU" dirty="0"/>
-              <a:t>Переменные</a:t>
-            </a:r>
-            <a:endParaRPr lang="en-US" dirty="0"/>
-          </a:p>
-        </p:txBody>
-      </p:sp>
-      <p:pic>
-        <p:nvPicPr>
-          <p:cNvPr id="8" name="Picture 7">
-            <a:extLst>
-              <a:ext uri="{FF2B5EF4-FFF2-40B4-BE49-F238E27FC236}">
-                <a16:creationId xmlns:a16="http://schemas.microsoft.com/office/drawing/2014/main" id="{FC5334FA-420E-4265-908F-585B32B6BD3D}"/>
-              </a:ext>
-            </a:extLst>
-          </p:cNvPr>
-          <p:cNvPicPr>
-            <a:picLocks noChangeAspect="1"/>
-          </p:cNvPicPr>
-          <p:nvPr/>
-        </p:nvPicPr>
-        <p:blipFill>
-          <a:blip r:embed="rId3"/>
-          <a:stretch>
-            <a:fillRect/>
-          </a:stretch>
-        </p:blipFill>
-        <p:spPr>
-          <a:xfrm>
-            <a:off x="838199" y="1873079"/>
-            <a:ext cx="10344233" cy="3984024"/>
-          </a:xfrm>
-          <a:prstGeom prst="rect">
-            <a:avLst/>
-          </a:prstGeom>
-        </p:spPr>
-      </p:pic>
-    </p:spTree>
-    <p:extLst>
-      <p:ext uri="{BB962C8B-B14F-4D97-AF65-F5344CB8AC3E}">
-        <p14:creationId xmlns:p14="http://schemas.microsoft.com/office/powerpoint/2010/main" val="676051748"/>
-      </p:ext>
-    </p:extLst>
-  </p:cSld>
-  <p:clrMapOvr>
-    <a:masterClrMapping/>
-  </p:clrMapOvr>
-</p:sld>
-</file>
-
 <file path=ppt/slides/slide3.xml><?xml version="1.0" encoding="utf-8"?>
 <p:sld xmlns:a="http://schemas.openxmlformats.org/drawingml/2006/main" xmlns:r="http://schemas.openxmlformats.org/officeDocument/2006/relationships" xmlns:p="http://schemas.openxmlformats.org/presentationml/2006/main">
   <p:cSld>
@@ -8718,668 +6327,6 @@
     <p:extLst>
       <p:ext uri="{BB962C8B-B14F-4D97-AF65-F5344CB8AC3E}">
         <p14:creationId xmlns:p14="http://schemas.microsoft.com/office/powerpoint/2010/main" val="757151417"/>
-      </p:ext>
-    </p:extLst>
-  </p:cSld>
-  <p:clrMapOvr>
-    <a:masterClrMapping/>
-  </p:clrMapOvr>
-</p:sld>
-</file>
-
-<file path=ppt/slides/slide30.xml><?xml version="1.0" encoding="utf-8"?>
-<p:sld xmlns:a="http://schemas.openxmlformats.org/drawingml/2006/main" xmlns:r="http://schemas.openxmlformats.org/officeDocument/2006/relationships" xmlns:p="http://schemas.openxmlformats.org/presentationml/2006/main">
-  <p:cSld>
-    <p:spTree>
-      <p:nvGrpSpPr>
-        <p:cNvPr id="1" name=""/>
-        <p:cNvGrpSpPr/>
-        <p:nvPr/>
-      </p:nvGrpSpPr>
-      <p:grpSpPr>
-        <a:xfrm>
-          <a:off x="0" y="0"/>
-          <a:ext cx="0" cy="0"/>
-          <a:chOff x="0" y="0"/>
-          <a:chExt cx="0" cy="0"/>
-        </a:xfrm>
-      </p:grpSpPr>
-      <p:sp>
-        <p:nvSpPr>
-          <p:cNvPr id="2" name="Title 1">
-            <a:extLst>
-              <a:ext uri="{FF2B5EF4-FFF2-40B4-BE49-F238E27FC236}">
-                <a16:creationId xmlns:a16="http://schemas.microsoft.com/office/drawing/2014/main" id="{AF51B906-A85B-4F12-8E81-A95A167F8E56}"/>
-              </a:ext>
-            </a:extLst>
-          </p:cNvPr>
-          <p:cNvSpPr>
-            <a:spLocks noGrp="1"/>
-          </p:cNvSpPr>
-          <p:nvPr>
-            <p:ph type="title"/>
-          </p:nvPr>
-        </p:nvSpPr>
-        <p:spPr/>
-        <p:txBody>
-          <a:bodyPr/>
-          <a:lstStyle/>
-          <a:p>
-            <a:r>
-              <a:rPr lang="ru-RU" dirty="0"/>
-              <a:t>Переменные</a:t>
-            </a:r>
-            <a:endParaRPr lang="en-US" dirty="0"/>
-          </a:p>
-        </p:txBody>
-      </p:sp>
-      <p:pic>
-        <p:nvPicPr>
-          <p:cNvPr id="8" name="Picture 7">
-            <a:extLst>
-              <a:ext uri="{FF2B5EF4-FFF2-40B4-BE49-F238E27FC236}">
-                <a16:creationId xmlns:a16="http://schemas.microsoft.com/office/drawing/2014/main" id="{FC5334FA-420E-4265-908F-585B32B6BD3D}"/>
-              </a:ext>
-            </a:extLst>
-          </p:cNvPr>
-          <p:cNvPicPr>
-            <a:picLocks noChangeAspect="1"/>
-          </p:cNvPicPr>
-          <p:nvPr/>
-        </p:nvPicPr>
-        <p:blipFill>
-          <a:blip r:embed="rId3"/>
-          <a:stretch>
-            <a:fillRect/>
-          </a:stretch>
-        </p:blipFill>
-        <p:spPr>
-          <a:xfrm>
-            <a:off x="838199" y="1873079"/>
-            <a:ext cx="10344233" cy="3984024"/>
-          </a:xfrm>
-          <a:prstGeom prst="rect">
-            <a:avLst/>
-          </a:prstGeom>
-        </p:spPr>
-      </p:pic>
-    </p:spTree>
-    <p:extLst>
-      <p:ext uri="{BB962C8B-B14F-4D97-AF65-F5344CB8AC3E}">
-        <p14:creationId xmlns:p14="http://schemas.microsoft.com/office/powerpoint/2010/main" val="1583858244"/>
-      </p:ext>
-    </p:extLst>
-  </p:cSld>
-  <p:clrMapOvr>
-    <a:masterClrMapping/>
-  </p:clrMapOvr>
-</p:sld>
-</file>
-
-<file path=ppt/slides/slide31.xml><?xml version="1.0" encoding="utf-8"?>
-<p:sld xmlns:a="http://schemas.openxmlformats.org/drawingml/2006/main" xmlns:r="http://schemas.openxmlformats.org/officeDocument/2006/relationships" xmlns:p="http://schemas.openxmlformats.org/presentationml/2006/main">
-  <p:cSld>
-    <p:spTree>
-      <p:nvGrpSpPr>
-        <p:cNvPr id="1" name=""/>
-        <p:cNvGrpSpPr/>
-        <p:nvPr/>
-      </p:nvGrpSpPr>
-      <p:grpSpPr>
-        <a:xfrm>
-          <a:off x="0" y="0"/>
-          <a:ext cx="0" cy="0"/>
-          <a:chOff x="0" y="0"/>
-          <a:chExt cx="0" cy="0"/>
-        </a:xfrm>
-      </p:grpSpPr>
-      <p:sp>
-        <p:nvSpPr>
-          <p:cNvPr id="2" name="Title 1">
-            <a:extLst>
-              <a:ext uri="{FF2B5EF4-FFF2-40B4-BE49-F238E27FC236}">
-                <a16:creationId xmlns:a16="http://schemas.microsoft.com/office/drawing/2014/main" id="{0C225438-0312-4168-8F6F-39C98E90ED10}"/>
-              </a:ext>
-            </a:extLst>
-          </p:cNvPr>
-          <p:cNvSpPr>
-            <a:spLocks noGrp="1"/>
-          </p:cNvSpPr>
-          <p:nvPr>
-            <p:ph type="title"/>
-          </p:nvPr>
-        </p:nvSpPr>
-        <p:spPr/>
-        <p:txBody>
-          <a:bodyPr/>
-          <a:lstStyle/>
-          <a:p>
-            <a:r>
-              <a:rPr lang="ru-RU" dirty="0"/>
-              <a:t>Константы</a:t>
-            </a:r>
-            <a:endParaRPr lang="en-US" dirty="0"/>
-          </a:p>
-        </p:txBody>
-      </p:sp>
-      <p:pic>
-        <p:nvPicPr>
-          <p:cNvPr id="5" name="Content Placeholder 4">
-            <a:extLst>
-              <a:ext uri="{FF2B5EF4-FFF2-40B4-BE49-F238E27FC236}">
-                <a16:creationId xmlns:a16="http://schemas.microsoft.com/office/drawing/2014/main" id="{0D7F5B4F-8FC5-4244-B392-E6D226E4A017}"/>
-              </a:ext>
-            </a:extLst>
-          </p:cNvPr>
-          <p:cNvPicPr>
-            <a:picLocks noGrp="1" noChangeAspect="1"/>
-          </p:cNvPicPr>
-          <p:nvPr>
-            <p:ph idx="1"/>
-          </p:nvPr>
-        </p:nvPicPr>
-        <p:blipFill>
-          <a:blip r:embed="rId3"/>
-          <a:stretch>
-            <a:fillRect/>
-          </a:stretch>
-        </p:blipFill>
-        <p:spPr>
-          <a:xfrm>
-            <a:off x="1017651" y="2098684"/>
-            <a:ext cx="10156698" cy="3284043"/>
-          </a:xfrm>
-        </p:spPr>
-      </p:pic>
-    </p:spTree>
-    <p:extLst>
-      <p:ext uri="{BB962C8B-B14F-4D97-AF65-F5344CB8AC3E}">
-        <p14:creationId xmlns:p14="http://schemas.microsoft.com/office/powerpoint/2010/main" val="3724627857"/>
-      </p:ext>
-    </p:extLst>
-  </p:cSld>
-  <p:clrMapOvr>
-    <a:masterClrMapping/>
-  </p:clrMapOvr>
-</p:sld>
-</file>
-
-<file path=ppt/slides/slide32.xml><?xml version="1.0" encoding="utf-8"?>
-<p:sld xmlns:a="http://schemas.openxmlformats.org/drawingml/2006/main" xmlns:r="http://schemas.openxmlformats.org/officeDocument/2006/relationships" xmlns:p="http://schemas.openxmlformats.org/presentationml/2006/main">
-  <p:cSld>
-    <p:spTree>
-      <p:nvGrpSpPr>
-        <p:cNvPr id="1" name=""/>
-        <p:cNvGrpSpPr/>
-        <p:nvPr/>
-      </p:nvGrpSpPr>
-      <p:grpSpPr>
-        <a:xfrm>
-          <a:off x="0" y="0"/>
-          <a:ext cx="0" cy="0"/>
-          <a:chOff x="0" y="0"/>
-          <a:chExt cx="0" cy="0"/>
-        </a:xfrm>
-      </p:grpSpPr>
-      <p:sp>
-        <p:nvSpPr>
-          <p:cNvPr id="2" name="Title 1">
-            <a:extLst>
-              <a:ext uri="{FF2B5EF4-FFF2-40B4-BE49-F238E27FC236}">
-                <a16:creationId xmlns:a16="http://schemas.microsoft.com/office/drawing/2014/main" id="{8E7B026E-AD56-4D22-AD0B-C115CC56A0B1}"/>
-              </a:ext>
-            </a:extLst>
-          </p:cNvPr>
-          <p:cNvSpPr>
-            <a:spLocks noGrp="1"/>
-          </p:cNvSpPr>
-          <p:nvPr>
-            <p:ph type="title"/>
-          </p:nvPr>
-        </p:nvSpPr>
-        <p:spPr/>
-        <p:txBody>
-          <a:bodyPr/>
-          <a:lstStyle/>
-          <a:p>
-            <a:r>
-              <a:rPr lang="ru-RU" dirty="0"/>
-              <a:t>Булев тип</a:t>
-            </a:r>
-            <a:endParaRPr lang="en-US" dirty="0"/>
-          </a:p>
-        </p:txBody>
-      </p:sp>
-      <p:pic>
-        <p:nvPicPr>
-          <p:cNvPr id="7" name="Picture 6">
-            <a:extLst>
-              <a:ext uri="{FF2B5EF4-FFF2-40B4-BE49-F238E27FC236}">
-                <a16:creationId xmlns:a16="http://schemas.microsoft.com/office/drawing/2014/main" id="{13D6F733-5626-4B60-9D32-CE825435A140}"/>
-              </a:ext>
-            </a:extLst>
-          </p:cNvPr>
-          <p:cNvPicPr>
-            <a:picLocks noChangeAspect="1"/>
-          </p:cNvPicPr>
-          <p:nvPr/>
-        </p:nvPicPr>
-        <p:blipFill>
-          <a:blip r:embed="rId3"/>
-          <a:stretch>
-            <a:fillRect/>
-          </a:stretch>
-        </p:blipFill>
-        <p:spPr>
-          <a:xfrm>
-            <a:off x="1186249" y="2084900"/>
-            <a:ext cx="10048747" cy="2688200"/>
-          </a:xfrm>
-          <a:prstGeom prst="rect">
-            <a:avLst/>
-          </a:prstGeom>
-        </p:spPr>
-      </p:pic>
-    </p:spTree>
-    <p:extLst>
-      <p:ext uri="{BB962C8B-B14F-4D97-AF65-F5344CB8AC3E}">
-        <p14:creationId xmlns:p14="http://schemas.microsoft.com/office/powerpoint/2010/main" val="304644893"/>
-      </p:ext>
-    </p:extLst>
-  </p:cSld>
-  <p:clrMapOvr>
-    <a:masterClrMapping/>
-  </p:clrMapOvr>
-</p:sld>
-</file>
-
-<file path=ppt/slides/slide33.xml><?xml version="1.0" encoding="utf-8"?>
-<p:sld xmlns:a="http://schemas.openxmlformats.org/drawingml/2006/main" xmlns:r="http://schemas.openxmlformats.org/officeDocument/2006/relationships" xmlns:p="http://schemas.openxmlformats.org/presentationml/2006/main">
-  <p:cSld>
-    <p:spTree>
-      <p:nvGrpSpPr>
-        <p:cNvPr id="1" name=""/>
-        <p:cNvGrpSpPr/>
-        <p:nvPr/>
-      </p:nvGrpSpPr>
-      <p:grpSpPr>
-        <a:xfrm>
-          <a:off x="0" y="0"/>
-          <a:ext cx="0" cy="0"/>
-          <a:chOff x="0" y="0"/>
-          <a:chExt cx="0" cy="0"/>
-        </a:xfrm>
-      </p:grpSpPr>
-      <p:sp>
-        <p:nvSpPr>
-          <p:cNvPr id="2" name="Title 1">
-            <a:extLst>
-              <a:ext uri="{FF2B5EF4-FFF2-40B4-BE49-F238E27FC236}">
-                <a16:creationId xmlns:a16="http://schemas.microsoft.com/office/drawing/2014/main" id="{94FE8C27-14C2-40F1-BC67-B36D78C746A6}"/>
-              </a:ext>
-            </a:extLst>
-          </p:cNvPr>
-          <p:cNvSpPr>
-            <a:spLocks noGrp="1"/>
-          </p:cNvSpPr>
-          <p:nvPr>
-            <p:ph type="title"/>
-          </p:nvPr>
-        </p:nvSpPr>
-        <p:spPr/>
-        <p:txBody>
-          <a:bodyPr/>
-          <a:lstStyle/>
-          <a:p>
-            <a:r>
-              <a:rPr lang="ru-RU" dirty="0"/>
-              <a:t>Оператор условия</a:t>
-            </a:r>
-            <a:endParaRPr lang="en-US" dirty="0"/>
-          </a:p>
-        </p:txBody>
-      </p:sp>
-      <p:pic>
-        <p:nvPicPr>
-          <p:cNvPr id="5" name="Picture 4">
-            <a:extLst>
-              <a:ext uri="{FF2B5EF4-FFF2-40B4-BE49-F238E27FC236}">
-                <a16:creationId xmlns:a16="http://schemas.microsoft.com/office/drawing/2014/main" id="{61DBB656-889C-4513-A67B-0ABBF3688013}"/>
-              </a:ext>
-            </a:extLst>
-          </p:cNvPr>
-          <p:cNvPicPr>
-            <a:picLocks noChangeAspect="1"/>
-          </p:cNvPicPr>
-          <p:nvPr/>
-        </p:nvPicPr>
-        <p:blipFill rotWithShape="1">
-          <a:blip r:embed="rId3"/>
-          <a:srcRect t="14070"/>
-          <a:stretch/>
-        </p:blipFill>
-        <p:spPr>
-          <a:xfrm>
-            <a:off x="1142484" y="1690688"/>
-            <a:ext cx="9492033" cy="4055204"/>
-          </a:xfrm>
-          <a:prstGeom prst="rect">
-            <a:avLst/>
-          </a:prstGeom>
-        </p:spPr>
-      </p:pic>
-    </p:spTree>
-    <p:extLst>
-      <p:ext uri="{BB962C8B-B14F-4D97-AF65-F5344CB8AC3E}">
-        <p14:creationId xmlns:p14="http://schemas.microsoft.com/office/powerpoint/2010/main" val="2235144220"/>
-      </p:ext>
-    </p:extLst>
-  </p:cSld>
-  <p:clrMapOvr>
-    <a:masterClrMapping/>
-  </p:clrMapOvr>
-</p:sld>
-</file>
-
-<file path=ppt/slides/slide34.xml><?xml version="1.0" encoding="utf-8"?>
-<p:sld xmlns:a="http://schemas.openxmlformats.org/drawingml/2006/main" xmlns:r="http://schemas.openxmlformats.org/officeDocument/2006/relationships" xmlns:p="http://schemas.openxmlformats.org/presentationml/2006/main">
-  <p:cSld>
-    <p:spTree>
-      <p:nvGrpSpPr>
-        <p:cNvPr id="1" name=""/>
-        <p:cNvGrpSpPr/>
-        <p:nvPr/>
-      </p:nvGrpSpPr>
-      <p:grpSpPr>
-        <a:xfrm>
-          <a:off x="0" y="0"/>
-          <a:ext cx="0" cy="0"/>
-          <a:chOff x="0" y="0"/>
-          <a:chExt cx="0" cy="0"/>
-        </a:xfrm>
-      </p:grpSpPr>
-      <p:sp>
-        <p:nvSpPr>
-          <p:cNvPr id="2" name="Title 1">
-            <a:extLst>
-              <a:ext uri="{FF2B5EF4-FFF2-40B4-BE49-F238E27FC236}">
-                <a16:creationId xmlns:a16="http://schemas.microsoft.com/office/drawing/2014/main" id="{3916B2A1-8E3E-4115-9B92-C712EF7D44C4}"/>
-              </a:ext>
-            </a:extLst>
-          </p:cNvPr>
-          <p:cNvSpPr>
-            <a:spLocks noGrp="1"/>
-          </p:cNvSpPr>
-          <p:nvPr>
-            <p:ph type="title"/>
-          </p:nvPr>
-        </p:nvSpPr>
-        <p:spPr/>
-        <p:txBody>
-          <a:bodyPr/>
-          <a:lstStyle/>
-          <a:p>
-            <a:r>
-              <a:rPr lang="ru-RU" dirty="0"/>
-              <a:t>Несколько условий</a:t>
-            </a:r>
-            <a:endParaRPr lang="en-US" dirty="0"/>
-          </a:p>
-        </p:txBody>
-      </p:sp>
-      <p:pic>
-        <p:nvPicPr>
-          <p:cNvPr id="5" name="Content Placeholder 4">
-            <a:extLst>
-              <a:ext uri="{FF2B5EF4-FFF2-40B4-BE49-F238E27FC236}">
-                <a16:creationId xmlns:a16="http://schemas.microsoft.com/office/drawing/2014/main" id="{F8757FEF-A89D-4CCE-99ED-9B62A1D48556}"/>
-              </a:ext>
-            </a:extLst>
-          </p:cNvPr>
-          <p:cNvPicPr>
-            <a:picLocks noGrp="1" noChangeAspect="1"/>
-          </p:cNvPicPr>
-          <p:nvPr>
-            <p:ph idx="1"/>
-          </p:nvPr>
-        </p:nvPicPr>
-        <p:blipFill>
-          <a:blip r:embed="rId3"/>
-          <a:stretch>
-            <a:fillRect/>
-          </a:stretch>
-        </p:blipFill>
-        <p:spPr>
-          <a:xfrm>
-            <a:off x="1155925" y="1962428"/>
-            <a:ext cx="9880149" cy="3845247"/>
-          </a:xfrm>
-        </p:spPr>
-      </p:pic>
-    </p:spTree>
-    <p:extLst>
-      <p:ext uri="{BB962C8B-B14F-4D97-AF65-F5344CB8AC3E}">
-        <p14:creationId xmlns:p14="http://schemas.microsoft.com/office/powerpoint/2010/main" val="204711784"/>
-      </p:ext>
-    </p:extLst>
-  </p:cSld>
-  <p:clrMapOvr>
-    <a:masterClrMapping/>
-  </p:clrMapOvr>
-</p:sld>
-</file>
-
-<file path=ppt/slides/slide35.xml><?xml version="1.0" encoding="utf-8"?>
-<p:sld xmlns:a="http://schemas.openxmlformats.org/drawingml/2006/main" xmlns:r="http://schemas.openxmlformats.org/officeDocument/2006/relationships" xmlns:p="http://schemas.openxmlformats.org/presentationml/2006/main">
-  <p:cSld>
-    <p:spTree>
-      <p:nvGrpSpPr>
-        <p:cNvPr id="1" name=""/>
-        <p:cNvGrpSpPr/>
-        <p:nvPr/>
-      </p:nvGrpSpPr>
-      <p:grpSpPr>
-        <a:xfrm>
-          <a:off x="0" y="0"/>
-          <a:ext cx="0" cy="0"/>
-          <a:chOff x="0" y="0"/>
-          <a:chExt cx="0" cy="0"/>
-        </a:xfrm>
-      </p:grpSpPr>
-      <p:sp>
-        <p:nvSpPr>
-          <p:cNvPr id="2" name="Title 1">
-            <a:extLst>
-              <a:ext uri="{FF2B5EF4-FFF2-40B4-BE49-F238E27FC236}">
-                <a16:creationId xmlns:a16="http://schemas.microsoft.com/office/drawing/2014/main" id="{CFEA63D6-722B-45BD-8857-C0E411F0FD25}"/>
-              </a:ext>
-            </a:extLst>
-          </p:cNvPr>
-          <p:cNvSpPr>
-            <a:spLocks noGrp="1"/>
-          </p:cNvSpPr>
-          <p:nvPr>
-            <p:ph type="title"/>
-          </p:nvPr>
-        </p:nvSpPr>
-        <p:spPr/>
-        <p:txBody>
-          <a:bodyPr/>
-          <a:lstStyle/>
-          <a:p>
-            <a:r>
-              <a:rPr lang="ru-RU" dirty="0"/>
-              <a:t>Множественное условие</a:t>
-            </a:r>
-            <a:endParaRPr lang="en-US" dirty="0"/>
-          </a:p>
-        </p:txBody>
-      </p:sp>
-      <p:pic>
-        <p:nvPicPr>
-          <p:cNvPr id="5" name="Content Placeholder 4">
-            <a:extLst>
-              <a:ext uri="{FF2B5EF4-FFF2-40B4-BE49-F238E27FC236}">
-                <a16:creationId xmlns:a16="http://schemas.microsoft.com/office/drawing/2014/main" id="{C6FDA444-5254-49F8-B257-707F53AD1B43}"/>
-              </a:ext>
-            </a:extLst>
-          </p:cNvPr>
-          <p:cNvPicPr>
-            <a:picLocks noGrp="1" noChangeAspect="1"/>
-          </p:cNvPicPr>
-          <p:nvPr>
-            <p:ph idx="1"/>
-          </p:nvPr>
-        </p:nvPicPr>
-        <p:blipFill>
-          <a:blip r:embed="rId3"/>
-          <a:stretch>
-            <a:fillRect/>
-          </a:stretch>
-        </p:blipFill>
-        <p:spPr>
-          <a:xfrm>
-            <a:off x="1276004" y="1801898"/>
-            <a:ext cx="9639992" cy="4203485"/>
-          </a:xfrm>
-        </p:spPr>
-      </p:pic>
-    </p:spTree>
-    <p:extLst>
-      <p:ext uri="{BB962C8B-B14F-4D97-AF65-F5344CB8AC3E}">
-        <p14:creationId xmlns:p14="http://schemas.microsoft.com/office/powerpoint/2010/main" val="176514608"/>
-      </p:ext>
-    </p:extLst>
-  </p:cSld>
-  <p:clrMapOvr>
-    <a:masterClrMapping/>
-  </p:clrMapOvr>
-</p:sld>
-</file>
-
-<file path=ppt/slides/slide36.xml><?xml version="1.0" encoding="utf-8"?>
-<p:sld xmlns:a="http://schemas.openxmlformats.org/drawingml/2006/main" xmlns:r="http://schemas.openxmlformats.org/officeDocument/2006/relationships" xmlns:p="http://schemas.openxmlformats.org/presentationml/2006/main">
-  <p:cSld>
-    <p:spTree>
-      <p:nvGrpSpPr>
-        <p:cNvPr id="1" name=""/>
-        <p:cNvGrpSpPr/>
-        <p:nvPr/>
-      </p:nvGrpSpPr>
-      <p:grpSpPr>
-        <a:xfrm>
-          <a:off x="0" y="0"/>
-          <a:ext cx="0" cy="0"/>
-          <a:chOff x="0" y="0"/>
-          <a:chExt cx="0" cy="0"/>
-        </a:xfrm>
-      </p:grpSpPr>
-      <p:sp>
-        <p:nvSpPr>
-          <p:cNvPr id="2" name="Title 1">
-            <a:extLst>
-              <a:ext uri="{FF2B5EF4-FFF2-40B4-BE49-F238E27FC236}">
-                <a16:creationId xmlns:a16="http://schemas.microsoft.com/office/drawing/2014/main" id="{CF54C6AE-7033-4549-84AE-34EA7E8EE934}"/>
-              </a:ext>
-            </a:extLst>
-          </p:cNvPr>
-          <p:cNvSpPr>
-            <a:spLocks noGrp="1"/>
-          </p:cNvSpPr>
-          <p:nvPr>
-            <p:ph type="title"/>
-          </p:nvPr>
-        </p:nvSpPr>
-        <p:spPr/>
-        <p:txBody>
-          <a:bodyPr/>
-          <a:lstStyle/>
-          <a:p>
-            <a:pPr algn="ctr"/>
-            <a:r>
-              <a:rPr lang="ru-RU" dirty="0"/>
-              <a:t>Практическая часть</a:t>
-            </a:r>
-            <a:endParaRPr lang="en-US" dirty="0"/>
-          </a:p>
-        </p:txBody>
-      </p:sp>
-      <p:sp>
-        <p:nvSpPr>
-          <p:cNvPr id="3" name="Content Placeholder 2">
-            <a:extLst>
-              <a:ext uri="{FF2B5EF4-FFF2-40B4-BE49-F238E27FC236}">
-                <a16:creationId xmlns:a16="http://schemas.microsoft.com/office/drawing/2014/main" id="{FC267814-257A-4A27-90B4-A6E47B983D5D}"/>
-              </a:ext>
-            </a:extLst>
-          </p:cNvPr>
-          <p:cNvSpPr>
-            <a:spLocks noGrp="1"/>
-          </p:cNvSpPr>
-          <p:nvPr>
-            <p:ph idx="1"/>
-          </p:nvPr>
-        </p:nvSpPr>
-        <p:spPr>
-          <a:xfrm>
-            <a:off x="603421" y="2159257"/>
-            <a:ext cx="10985157" cy="3944980"/>
-          </a:xfrm>
-        </p:spPr>
-        <p:txBody>
-          <a:bodyPr>
-            <a:normAutofit/>
-          </a:bodyPr>
-          <a:lstStyle/>
-          <a:p>
-            <a:pPr marL="0" indent="0">
-              <a:buNone/>
-            </a:pPr>
-            <a:r>
-              <a:rPr lang="ru-RU" sz="4200" dirty="0"/>
-              <a:t>Ссылка на репозиторий – </a:t>
-            </a:r>
-            <a:r>
-              <a:rPr lang="en-US" sz="4200" dirty="0">
-                <a:effectLst/>
-              </a:rPr>
-              <a:t>clck.ru/XEoL3</a:t>
-            </a:r>
-          </a:p>
-          <a:p>
-            <a:pPr marL="0" indent="0">
-              <a:buNone/>
-            </a:pPr>
-            <a:endParaRPr lang="en-US" sz="4200" dirty="0"/>
-          </a:p>
-          <a:p>
-            <a:pPr marL="0" indent="0">
-              <a:buNone/>
-            </a:pPr>
-            <a:r>
-              <a:rPr lang="ru-RU" sz="4200" dirty="0"/>
-              <a:t>Ссылка на онлайн-компилятор – </a:t>
-            </a:r>
-            <a:r>
-              <a:rPr lang="en-US" sz="4200" dirty="0">
-                <a:effectLst/>
-              </a:rPr>
-              <a:t>clck.ru/</a:t>
-            </a:r>
-            <a:r>
-              <a:rPr lang="en-US" sz="4200" dirty="0" err="1">
-                <a:effectLst/>
-              </a:rPr>
-              <a:t>TDTdL</a:t>
-            </a:r>
-            <a:endParaRPr lang="en-US" sz="4200" dirty="0"/>
-          </a:p>
-        </p:txBody>
-      </p:sp>
-    </p:spTree>
-    <p:extLst>
-      <p:ext uri="{BB962C8B-B14F-4D97-AF65-F5344CB8AC3E}">
-        <p14:creationId xmlns:p14="http://schemas.microsoft.com/office/powerpoint/2010/main" val="501091909"/>
       </p:ext>
     </p:extLst>
   </p:cSld>
@@ -9463,7 +6410,11 @@
             </a:pPr>
             <a:r>
               <a:rPr lang="ru-RU" dirty="0"/>
-              <a:t>Вид аттестации – зачёт.</a:t>
+              <a:t>Вид аттестации</a:t>
+            </a:r>
+            <a:r>
+              <a:rPr lang="en-US" dirty="0"/>
+              <a:t>:</a:t>
             </a:r>
           </a:p>
           <a:p>
@@ -9471,16 +6422,30 @@
               <a:buNone/>
             </a:pPr>
             <a:r>
+              <a:rPr lang="en-US" dirty="0"/>
+              <a:t>	</a:t>
+            </a:r>
+            <a:r>
               <a:rPr lang="ru-RU" dirty="0"/>
-              <a:t>Для получения автомата – все задачи на </a:t>
-            </a:r>
-            <a:r>
-              <a:rPr lang="en-US" dirty="0"/>
-              <a:t>git’</a:t>
-            </a:r>
+              <a:t>Основы программирования – зачет</a:t>
+            </a:r>
+          </a:p>
+          <a:p>
+            <a:pPr marL="0" indent="0">
+              <a:buNone/>
+            </a:pPr>
             <a:r>
               <a:rPr lang="ru-RU" dirty="0"/>
-              <a:t>е и по 2 код-ревью на задачи 2 ваших одногруппников.</a:t>
+              <a:t>	Алгоритмы и структуры данных – экзамен</a:t>
+            </a:r>
+          </a:p>
+          <a:p>
+            <a:pPr marL="0" indent="0">
+              <a:buNone/>
+            </a:pPr>
+            <a:r>
+              <a:rPr lang="ru-RU" dirty="0"/>
+              <a:t>Для получения автомата – требуется выполнить все работы и иметь рейтинг не ниже 60%.</a:t>
             </a:r>
             <a:endParaRPr lang="en-US" dirty="0"/>
           </a:p>
